--- a/Class 6.pptx
+++ b/Class 6.pptx
@@ -16,6 +16,8 @@
     <p:sldId id="330" r:id="rId10"/>
     <p:sldId id="323" r:id="rId11"/>
     <p:sldId id="329" r:id="rId12"/>
+    <p:sldId id="332" r:id="rId13"/>
+    <p:sldId id="333" r:id="rId14"/>
   </p:sldIdLst>
   <p:sldSz cx="12192000" cy="6858000"/>
   <p:notesSz cx="6858000" cy="9144000"/>
@@ -114,6 +116,11 @@
       </a:defRPr>
     </a:lvl9pPr>
   </p:defaultTextStyle>
+  <p:extLst>
+    <p:ext uri="{EFAFB233-063F-42B5-8137-9DF3F51BA10A}">
+      <p15:sldGuideLst xmlns:p15="http://schemas.microsoft.com/office/powerpoint/2012/main"/>
+    </p:ext>
+  </p:extLst>
 </p:presentation>
 </file>
 
@@ -286,7 +293,7 @@
           <a:p>
             <a:fld id="{DB10E5C9-23B2-4A4E-92AB-29D98A655667}" type="datetimeFigureOut">
               <a:rPr lang="en-US" smtClean="0"/>
-              <a:t>6/16/18</a:t>
+              <a:t>7/15/18</a:t>
             </a:fld>
             <a:endParaRPr lang="en-US"/>
           </a:p>
@@ -616,7 +623,7 @@
           <a:p>
             <a:fld id="{DB10E5C9-23B2-4A4E-92AB-29D98A655667}" type="datetimeFigureOut">
               <a:rPr lang="en-US" smtClean="0"/>
-              <a:t>6/16/18</a:t>
+              <a:t>7/15/18</a:t>
             </a:fld>
             <a:endParaRPr lang="en-US"/>
           </a:p>
@@ -796,7 +803,7 @@
           <a:p>
             <a:fld id="{DB10E5C9-23B2-4A4E-92AB-29D98A655667}" type="datetimeFigureOut">
               <a:rPr lang="en-US" smtClean="0"/>
-              <a:t>6/16/18</a:t>
+              <a:t>7/15/18</a:t>
             </a:fld>
             <a:endParaRPr lang="en-US"/>
           </a:p>
@@ -966,7 +973,7 @@
           <a:p>
             <a:fld id="{DB10E5C9-23B2-4A4E-92AB-29D98A655667}" type="datetimeFigureOut">
               <a:rPr lang="en-US" smtClean="0"/>
-              <a:t>6/16/18</a:t>
+              <a:t>7/15/18</a:t>
             </a:fld>
             <a:endParaRPr lang="en-US"/>
           </a:p>
@@ -1243,7 +1250,7 @@
           <a:p>
             <a:fld id="{DB10E5C9-23B2-4A4E-92AB-29D98A655667}" type="datetimeFigureOut">
               <a:rPr lang="en-US" smtClean="0"/>
-              <a:t>6/16/18</a:t>
+              <a:t>7/15/18</a:t>
             </a:fld>
             <a:endParaRPr lang="en-US"/>
           </a:p>
@@ -1637,7 +1644,7 @@
           <a:p>
             <a:fld id="{DB10E5C9-23B2-4A4E-92AB-29D98A655667}" type="datetimeFigureOut">
               <a:rPr lang="en-US" smtClean="0"/>
-              <a:t>6/16/18</a:t>
+              <a:t>7/15/18</a:t>
             </a:fld>
             <a:endParaRPr lang="en-US"/>
           </a:p>
@@ -2114,7 +2121,7 @@
           <a:p>
             <a:fld id="{DB10E5C9-23B2-4A4E-92AB-29D98A655667}" type="datetimeFigureOut">
               <a:rPr lang="en-US" smtClean="0"/>
-              <a:t>6/16/18</a:t>
+              <a:t>7/15/18</a:t>
             </a:fld>
             <a:endParaRPr lang="en-US"/>
           </a:p>
@@ -2232,7 +2239,7 @@
           <a:p>
             <a:fld id="{DB10E5C9-23B2-4A4E-92AB-29D98A655667}" type="datetimeFigureOut">
               <a:rPr lang="en-US" smtClean="0"/>
-              <a:t>6/16/18</a:t>
+              <a:t>7/15/18</a:t>
             </a:fld>
             <a:endParaRPr lang="en-US"/>
           </a:p>
@@ -2327,7 +2334,7 @@
           <a:p>
             <a:fld id="{DB10E5C9-23B2-4A4E-92AB-29D98A655667}" type="datetimeFigureOut">
               <a:rPr lang="en-US" smtClean="0"/>
-              <a:t>6/16/18</a:t>
+              <a:t>7/15/18</a:t>
             </a:fld>
             <a:endParaRPr lang="en-US"/>
           </a:p>
@@ -2673,7 +2680,7 @@
           <a:p>
             <a:fld id="{DB10E5C9-23B2-4A4E-92AB-29D98A655667}" type="datetimeFigureOut">
               <a:rPr lang="en-US" smtClean="0"/>
-              <a:t>6/16/18</a:t>
+              <a:t>7/15/18</a:t>
             </a:fld>
             <a:endParaRPr lang="en-US"/>
           </a:p>
@@ -3061,7 +3068,7 @@
           <a:p>
             <a:fld id="{DB10E5C9-23B2-4A4E-92AB-29D98A655667}" type="datetimeFigureOut">
               <a:rPr lang="en-US" smtClean="0"/>
-              <a:t>6/16/18</a:t>
+              <a:t>7/15/18</a:t>
             </a:fld>
             <a:endParaRPr lang="en-US"/>
           </a:p>
@@ -3339,7 +3346,7 @@
           <a:p>
             <a:fld id="{DB10E5C9-23B2-4A4E-92AB-29D98A655667}" type="datetimeFigureOut">
               <a:rPr lang="en-US" smtClean="0"/>
-              <a:t>6/16/18</a:t>
+              <a:t>7/15/18</a:t>
             </a:fld>
             <a:endParaRPr lang="en-US"/>
           </a:p>
@@ -4052,6 +4059,148 @@
 </p:sld>
 </file>
 
+<file path=ppt/slides/slide12.xml><?xml version="1.0" encoding="utf-8"?>
+<p:sld xmlns:a="http://schemas.openxmlformats.org/drawingml/2006/main" xmlns:r="http://schemas.openxmlformats.org/officeDocument/2006/relationships" xmlns:p="http://schemas.openxmlformats.org/presentationml/2006/main">
+  <p:cSld>
+    <p:spTree>
+      <p:nvGrpSpPr>
+        <p:cNvPr id="1" name=""/>
+        <p:cNvGrpSpPr/>
+        <p:nvPr/>
+      </p:nvGrpSpPr>
+      <p:grpSpPr>
+        <a:xfrm>
+          <a:off x="0" y="0"/>
+          <a:ext cx="0" cy="0"/>
+          <a:chOff x="0" y="0"/>
+          <a:chExt cx="0" cy="0"/>
+        </a:xfrm>
+      </p:grpSpPr>
+      <p:sp>
+        <p:nvSpPr>
+          <p:cNvPr id="2" name="Title 1"/>
+          <p:cNvSpPr>
+            <a:spLocks noGrp="1"/>
+          </p:cNvSpPr>
+          <p:nvPr>
+            <p:ph type="title"/>
+          </p:nvPr>
+        </p:nvSpPr>
+        <p:spPr/>
+        <p:txBody>
+          <a:bodyPr/>
+          <a:lstStyle/>
+          <a:p>
+            <a:r>
+              <a:rPr lang="en-US" dirty="0"/>
+              <a:t>Values List</a:t>
+            </a:r>
+          </a:p>
+        </p:txBody>
+      </p:sp>
+      <p:sp>
+        <p:nvSpPr>
+          <p:cNvPr id="3" name="Text Placeholder 2"/>
+          <p:cNvSpPr>
+            <a:spLocks noGrp="1"/>
+          </p:cNvSpPr>
+          <p:nvPr>
+            <p:ph type="body" idx="1"/>
+          </p:nvPr>
+        </p:nvSpPr>
+        <p:spPr/>
+        <p:txBody>
+          <a:bodyPr/>
+          <a:lstStyle/>
+          <a:p>
+            <a:endParaRPr lang="en-US"/>
+          </a:p>
+        </p:txBody>
+      </p:sp>
+    </p:spTree>
+    <p:extLst>
+      <p:ext uri="{BB962C8B-B14F-4D97-AF65-F5344CB8AC3E}">
+        <p14:creationId xmlns:p14="http://schemas.microsoft.com/office/powerpoint/2010/main" val="4055771879"/>
+      </p:ext>
+    </p:extLst>
+  </p:cSld>
+  <p:clrMapOvr>
+    <a:masterClrMapping/>
+  </p:clrMapOvr>
+</p:sld>
+</file>
+
+<file path=ppt/slides/slide13.xml><?xml version="1.0" encoding="utf-8"?>
+<p:sld xmlns:a="http://schemas.openxmlformats.org/drawingml/2006/main" xmlns:r="http://schemas.openxmlformats.org/officeDocument/2006/relationships" xmlns:p="http://schemas.openxmlformats.org/presentationml/2006/main">
+  <p:cSld>
+    <p:spTree>
+      <p:nvGrpSpPr>
+        <p:cNvPr id="1" name=""/>
+        <p:cNvGrpSpPr/>
+        <p:nvPr/>
+      </p:nvGrpSpPr>
+      <p:grpSpPr>
+        <a:xfrm>
+          <a:off x="0" y="0"/>
+          <a:ext cx="0" cy="0"/>
+          <a:chOff x="0" y="0"/>
+          <a:chExt cx="0" cy="0"/>
+        </a:xfrm>
+      </p:grpSpPr>
+      <p:sp>
+        <p:nvSpPr>
+          <p:cNvPr id="2" name="Title 1"/>
+          <p:cNvSpPr>
+            <a:spLocks noGrp="1"/>
+          </p:cNvSpPr>
+          <p:nvPr>
+            <p:ph type="title"/>
+          </p:nvPr>
+        </p:nvSpPr>
+        <p:spPr/>
+        <p:txBody>
+          <a:bodyPr/>
+          <a:lstStyle/>
+          <a:p>
+            <a:r>
+              <a:rPr lang="en-US" dirty="0"/>
+              <a:t>Download Handler</a:t>
+            </a:r>
+          </a:p>
+        </p:txBody>
+      </p:sp>
+      <p:sp>
+        <p:nvSpPr>
+          <p:cNvPr id="3" name="Text Placeholder 2"/>
+          <p:cNvSpPr>
+            <a:spLocks noGrp="1"/>
+          </p:cNvSpPr>
+          <p:nvPr>
+            <p:ph type="body" idx="1"/>
+          </p:nvPr>
+        </p:nvSpPr>
+        <p:spPr/>
+        <p:txBody>
+          <a:bodyPr/>
+          <a:lstStyle/>
+          <a:p>
+            <a:endParaRPr lang="en-US"/>
+          </a:p>
+        </p:txBody>
+      </p:sp>
+    </p:spTree>
+    <p:extLst>
+      <p:ext uri="{BB962C8B-B14F-4D97-AF65-F5344CB8AC3E}">
+        <p14:creationId xmlns:p14="http://schemas.microsoft.com/office/powerpoint/2010/main" val="2740599091"/>
+      </p:ext>
+    </p:extLst>
+  </p:cSld>
+  <p:clrMapOvr>
+    <a:masterClrMapping/>
+  </p:clrMapOvr>
+</p:sld>
+</file>
+
 <file path=ppt/slides/slide2.xml><?xml version="1.0" encoding="utf-8"?>
 <p:sld xmlns:a="http://schemas.openxmlformats.org/drawingml/2006/main" xmlns:r="http://schemas.openxmlformats.org/officeDocument/2006/relationships" xmlns:p="http://schemas.openxmlformats.org/presentationml/2006/main">
   <p:cSld>

--- a/Class 6.pptx
+++ b/Class 6.pptx
@@ -6,18 +6,29 @@
   </p:sldMasterIdLst>
   <p:sldIdLst>
     <p:sldId id="311" r:id="rId2"/>
-    <p:sldId id="312" r:id="rId3"/>
-    <p:sldId id="313" r:id="rId4"/>
-    <p:sldId id="314" r:id="rId5"/>
-    <p:sldId id="315" r:id="rId6"/>
-    <p:sldId id="316" r:id="rId7"/>
-    <p:sldId id="331" r:id="rId8"/>
-    <p:sldId id="317" r:id="rId9"/>
-    <p:sldId id="330" r:id="rId10"/>
-    <p:sldId id="323" r:id="rId11"/>
-    <p:sldId id="329" r:id="rId12"/>
-    <p:sldId id="332" r:id="rId13"/>
-    <p:sldId id="333" r:id="rId14"/>
+    <p:sldId id="333" r:id="rId3"/>
+    <p:sldId id="340" r:id="rId4"/>
+    <p:sldId id="317" r:id="rId5"/>
+    <p:sldId id="338" r:id="rId6"/>
+    <p:sldId id="336" r:id="rId7"/>
+    <p:sldId id="330" r:id="rId8"/>
+    <p:sldId id="339" r:id="rId9"/>
+    <p:sldId id="316" r:id="rId10"/>
+    <p:sldId id="334" r:id="rId11"/>
+    <p:sldId id="331" r:id="rId12"/>
+    <p:sldId id="323" r:id="rId13"/>
+    <p:sldId id="329" r:id="rId14"/>
+    <p:sldId id="332" r:id="rId15"/>
+    <p:sldId id="342" r:id="rId16"/>
+    <p:sldId id="343" r:id="rId17"/>
+    <p:sldId id="312" r:id="rId18"/>
+    <p:sldId id="313" r:id="rId19"/>
+    <p:sldId id="314" r:id="rId20"/>
+    <p:sldId id="315" r:id="rId21"/>
+    <p:sldId id="335" r:id="rId22"/>
+    <p:sldId id="344" r:id="rId23"/>
+    <p:sldId id="345" r:id="rId24"/>
+    <p:sldId id="346" r:id="rId25"/>
   </p:sldIdLst>
   <p:sldSz cx="12192000" cy="6858000"/>
   <p:notesSz cx="6858000" cy="9144000"/>
@@ -293,7 +304,7 @@
           <a:p>
             <a:fld id="{DB10E5C9-23B2-4A4E-92AB-29D98A655667}" type="datetimeFigureOut">
               <a:rPr lang="en-US" smtClean="0"/>
-              <a:t>7/15/18</a:t>
+              <a:t>8/23/18</a:t>
             </a:fld>
             <a:endParaRPr lang="en-US"/>
           </a:p>
@@ -623,7 +634,7 @@
           <a:p>
             <a:fld id="{DB10E5C9-23B2-4A4E-92AB-29D98A655667}" type="datetimeFigureOut">
               <a:rPr lang="en-US" smtClean="0"/>
-              <a:t>7/15/18</a:t>
+              <a:t>8/23/18</a:t>
             </a:fld>
             <a:endParaRPr lang="en-US"/>
           </a:p>
@@ -803,7 +814,7 @@
           <a:p>
             <a:fld id="{DB10E5C9-23B2-4A4E-92AB-29D98A655667}" type="datetimeFigureOut">
               <a:rPr lang="en-US" smtClean="0"/>
-              <a:t>7/15/18</a:t>
+              <a:t>8/23/18</a:t>
             </a:fld>
             <a:endParaRPr lang="en-US"/>
           </a:p>
@@ -973,7 +984,7 @@
           <a:p>
             <a:fld id="{DB10E5C9-23B2-4A4E-92AB-29D98A655667}" type="datetimeFigureOut">
               <a:rPr lang="en-US" smtClean="0"/>
-              <a:t>7/15/18</a:t>
+              <a:t>8/23/18</a:t>
             </a:fld>
             <a:endParaRPr lang="en-US"/>
           </a:p>
@@ -1250,7 +1261,7 @@
           <a:p>
             <a:fld id="{DB10E5C9-23B2-4A4E-92AB-29D98A655667}" type="datetimeFigureOut">
               <a:rPr lang="en-US" smtClean="0"/>
-              <a:t>7/15/18</a:t>
+              <a:t>8/23/18</a:t>
             </a:fld>
             <a:endParaRPr lang="en-US"/>
           </a:p>
@@ -1644,7 +1655,7 @@
           <a:p>
             <a:fld id="{DB10E5C9-23B2-4A4E-92AB-29D98A655667}" type="datetimeFigureOut">
               <a:rPr lang="en-US" smtClean="0"/>
-              <a:t>7/15/18</a:t>
+              <a:t>8/23/18</a:t>
             </a:fld>
             <a:endParaRPr lang="en-US"/>
           </a:p>
@@ -2121,7 +2132,7 @@
           <a:p>
             <a:fld id="{DB10E5C9-23B2-4A4E-92AB-29D98A655667}" type="datetimeFigureOut">
               <a:rPr lang="en-US" smtClean="0"/>
-              <a:t>7/15/18</a:t>
+              <a:t>8/23/18</a:t>
             </a:fld>
             <a:endParaRPr lang="en-US"/>
           </a:p>
@@ -2239,7 +2250,7 @@
           <a:p>
             <a:fld id="{DB10E5C9-23B2-4A4E-92AB-29D98A655667}" type="datetimeFigureOut">
               <a:rPr lang="en-US" smtClean="0"/>
-              <a:t>7/15/18</a:t>
+              <a:t>8/23/18</a:t>
             </a:fld>
             <a:endParaRPr lang="en-US"/>
           </a:p>
@@ -2334,7 +2345,7 @@
           <a:p>
             <a:fld id="{DB10E5C9-23B2-4A4E-92AB-29D98A655667}" type="datetimeFigureOut">
               <a:rPr lang="en-US" smtClean="0"/>
-              <a:t>7/15/18</a:t>
+              <a:t>8/23/18</a:t>
             </a:fld>
             <a:endParaRPr lang="en-US"/>
           </a:p>
@@ -2680,7 +2691,7 @@
           <a:p>
             <a:fld id="{DB10E5C9-23B2-4A4E-92AB-29D98A655667}" type="datetimeFigureOut">
               <a:rPr lang="en-US" smtClean="0"/>
-              <a:t>7/15/18</a:t>
+              <a:t>8/23/18</a:t>
             </a:fld>
             <a:endParaRPr lang="en-US"/>
           </a:p>
@@ -3068,7 +3079,7 @@
           <a:p>
             <a:fld id="{DB10E5C9-23B2-4A4E-92AB-29D98A655667}" type="datetimeFigureOut">
               <a:rPr lang="en-US" smtClean="0"/>
-              <a:t>7/15/18</a:t>
+              <a:t>8/23/18</a:t>
             </a:fld>
             <a:endParaRPr lang="en-US"/>
           </a:p>
@@ -3346,7 +3357,7 @@
           <a:p>
             <a:fld id="{DB10E5C9-23B2-4A4E-92AB-29D98A655667}" type="datetimeFigureOut">
               <a:rPr lang="en-US" smtClean="0"/>
-              <a:t>7/15/18</a:t>
+              <a:t>8/23/18</a:t>
             </a:fld>
             <a:endParaRPr lang="en-US"/>
           </a:p>
@@ -3931,7 +3942,13 @@
       </p:grpSpPr>
       <p:sp>
         <p:nvSpPr>
-          <p:cNvPr id="2" name="Title 1"/>
+          <p:cNvPr id="4" name="Title 3">
+            <a:extLst>
+              <a:ext uri="{FF2B5EF4-FFF2-40B4-BE49-F238E27FC236}">
+                <a16:creationId xmlns:a16="http://schemas.microsoft.com/office/drawing/2014/main" id="{7AAAE73A-EC94-B446-88C1-75C08ED2E74B}"/>
+              </a:ext>
+            </a:extLst>
+          </p:cNvPr>
           <p:cNvSpPr>
             <a:spLocks noGrp="1"/>
           </p:cNvSpPr>
@@ -3946,19 +3963,25 @@
           <a:p>
             <a:r>
               <a:rPr lang="en-US" dirty="0"/>
-              <a:t>Progress Bars</a:t>
-            </a:r>
-          </a:p>
-        </p:txBody>
-      </p:sp>
-      <p:sp>
-        <p:nvSpPr>
-          <p:cNvPr id="3" name="Text Placeholder 2"/>
-          <p:cNvSpPr>
-            <a:spLocks noGrp="1"/>
-          </p:cNvSpPr>
-          <p:nvPr>
-            <p:ph type="body" idx="1"/>
+              <a:t>Notifications</a:t>
+            </a:r>
+          </a:p>
+        </p:txBody>
+      </p:sp>
+      <p:sp>
+        <p:nvSpPr>
+          <p:cNvPr id="5" name="Content Placeholder 4">
+            <a:extLst>
+              <a:ext uri="{FF2B5EF4-FFF2-40B4-BE49-F238E27FC236}">
+                <a16:creationId xmlns:a16="http://schemas.microsoft.com/office/drawing/2014/main" id="{9F5A528D-0E50-114D-89D2-CB8A86F8D4DC}"/>
+              </a:ext>
+            </a:extLst>
+          </p:cNvPr>
+          <p:cNvSpPr>
+            <a:spLocks noGrp="1"/>
+          </p:cNvSpPr>
+          <p:nvPr>
+            <p:ph idx="1"/>
           </p:nvPr>
         </p:nvSpPr>
         <p:spPr/>
@@ -3966,14 +3989,57 @@
           <a:bodyPr/>
           <a:lstStyle/>
           <a:p>
-            <a:endParaRPr lang="en-US"/>
+            <a:r>
+              <a:rPr lang="en-US" dirty="0"/>
+              <a:t>Notifications are good when your app makes a major change or runs into an error.</a:t>
+            </a:r>
+          </a:p>
+          <a:p>
+            <a:r>
+              <a:rPr lang="en-US" dirty="0"/>
+              <a:t>There are a few different colors of notifications:</a:t>
+            </a:r>
+          </a:p>
+          <a:p>
+            <a:pPr lvl="1"/>
+            <a:r>
+              <a:rPr lang="en-US" dirty="0"/>
+              <a:t>"default" (gray)</a:t>
+            </a:r>
+          </a:p>
+          <a:p>
+            <a:pPr lvl="1"/>
+            <a:r>
+              <a:rPr lang="en-US" dirty="0"/>
+              <a:t>"message" (blue)</a:t>
+            </a:r>
+          </a:p>
+          <a:p>
+            <a:pPr lvl="1"/>
+            <a:r>
+              <a:rPr lang="en-US" dirty="0"/>
+              <a:t>"warning" (yellow)</a:t>
+            </a:r>
+          </a:p>
+          <a:p>
+            <a:pPr lvl="1"/>
+            <a:r>
+              <a:rPr lang="en-US" dirty="0"/>
+              <a:t>"error" (red)</a:t>
+            </a:r>
+          </a:p>
+          <a:p>
+            <a:r>
+              <a:rPr lang="en-US" dirty="0"/>
+              <a:t>You can determine if users can close the window and for how long it is active.</a:t>
+            </a:r>
           </a:p>
         </p:txBody>
       </p:sp>
     </p:spTree>
     <p:extLst>
       <p:ext uri="{BB962C8B-B14F-4D97-AF65-F5344CB8AC3E}">
-        <p14:creationId xmlns:p14="http://schemas.microsoft.com/office/powerpoint/2010/main" val="1588794110"/>
+        <p14:creationId xmlns:p14="http://schemas.microsoft.com/office/powerpoint/2010/main" val="3974027959"/>
       </p:ext>
     </p:extLst>
   </p:cSld>
@@ -4017,674 +4083,15 @@
           <a:p>
             <a:r>
               <a:rPr lang="en-US" dirty="0"/>
-              <a:t>Progress Bar Example</a:t>
-            </a:r>
-          </a:p>
-        </p:txBody>
-      </p:sp>
-      <p:pic>
-        <p:nvPicPr>
-          <p:cNvPr id="6" name="Picture 5"/>
-          <p:cNvPicPr>
-            <a:picLocks noChangeAspect="1"/>
-          </p:cNvPicPr>
-          <p:nvPr/>
-        </p:nvPicPr>
-        <p:blipFill>
-          <a:blip r:embed="rId2"/>
-          <a:stretch>
-            <a:fillRect/>
-          </a:stretch>
-        </p:blipFill>
-        <p:spPr>
-          <a:xfrm>
-            <a:off x="2410810" y="1428750"/>
-            <a:ext cx="7522779" cy="5334000"/>
-          </a:xfrm>
-          <a:prstGeom prst="rect">
-            <a:avLst/>
-          </a:prstGeom>
-        </p:spPr>
-      </p:pic>
-    </p:spTree>
-    <p:extLst>
-      <p:ext uri="{BB962C8B-B14F-4D97-AF65-F5344CB8AC3E}">
-        <p14:creationId xmlns:p14="http://schemas.microsoft.com/office/powerpoint/2010/main" val="547104623"/>
-      </p:ext>
-    </p:extLst>
-  </p:cSld>
-  <p:clrMapOvr>
-    <a:masterClrMapping/>
-  </p:clrMapOvr>
-</p:sld>
-</file>
-
-<file path=ppt/slides/slide12.xml><?xml version="1.0" encoding="utf-8"?>
-<p:sld xmlns:a="http://schemas.openxmlformats.org/drawingml/2006/main" xmlns:r="http://schemas.openxmlformats.org/officeDocument/2006/relationships" xmlns:p="http://schemas.openxmlformats.org/presentationml/2006/main">
-  <p:cSld>
-    <p:spTree>
-      <p:nvGrpSpPr>
-        <p:cNvPr id="1" name=""/>
-        <p:cNvGrpSpPr/>
-        <p:nvPr/>
-      </p:nvGrpSpPr>
-      <p:grpSpPr>
-        <a:xfrm>
-          <a:off x="0" y="0"/>
-          <a:ext cx="0" cy="0"/>
-          <a:chOff x="0" y="0"/>
-          <a:chExt cx="0" cy="0"/>
-        </a:xfrm>
-      </p:grpSpPr>
-      <p:sp>
-        <p:nvSpPr>
-          <p:cNvPr id="2" name="Title 1"/>
-          <p:cNvSpPr>
-            <a:spLocks noGrp="1"/>
-          </p:cNvSpPr>
-          <p:nvPr>
-            <p:ph type="title"/>
-          </p:nvPr>
-        </p:nvSpPr>
-        <p:spPr/>
-        <p:txBody>
-          <a:bodyPr/>
-          <a:lstStyle/>
-          <a:p>
-            <a:r>
-              <a:rPr lang="en-US" dirty="0"/>
-              <a:t>Values List</a:t>
-            </a:r>
-          </a:p>
-        </p:txBody>
-      </p:sp>
-      <p:sp>
-        <p:nvSpPr>
-          <p:cNvPr id="3" name="Text Placeholder 2"/>
-          <p:cNvSpPr>
-            <a:spLocks noGrp="1"/>
-          </p:cNvSpPr>
-          <p:nvPr>
-            <p:ph type="body" idx="1"/>
-          </p:nvPr>
-        </p:nvSpPr>
-        <p:spPr/>
-        <p:txBody>
-          <a:bodyPr/>
-          <a:lstStyle/>
-          <a:p>
-            <a:endParaRPr lang="en-US"/>
-          </a:p>
-        </p:txBody>
-      </p:sp>
-    </p:spTree>
-    <p:extLst>
-      <p:ext uri="{BB962C8B-B14F-4D97-AF65-F5344CB8AC3E}">
-        <p14:creationId xmlns:p14="http://schemas.microsoft.com/office/powerpoint/2010/main" val="4055771879"/>
-      </p:ext>
-    </p:extLst>
-  </p:cSld>
-  <p:clrMapOvr>
-    <a:masterClrMapping/>
-  </p:clrMapOvr>
-</p:sld>
-</file>
-
-<file path=ppt/slides/slide13.xml><?xml version="1.0" encoding="utf-8"?>
-<p:sld xmlns:a="http://schemas.openxmlformats.org/drawingml/2006/main" xmlns:r="http://schemas.openxmlformats.org/officeDocument/2006/relationships" xmlns:p="http://schemas.openxmlformats.org/presentationml/2006/main">
-  <p:cSld>
-    <p:spTree>
-      <p:nvGrpSpPr>
-        <p:cNvPr id="1" name=""/>
-        <p:cNvGrpSpPr/>
-        <p:nvPr/>
-      </p:nvGrpSpPr>
-      <p:grpSpPr>
-        <a:xfrm>
-          <a:off x="0" y="0"/>
-          <a:ext cx="0" cy="0"/>
-          <a:chOff x="0" y="0"/>
-          <a:chExt cx="0" cy="0"/>
-        </a:xfrm>
-      </p:grpSpPr>
-      <p:sp>
-        <p:nvSpPr>
-          <p:cNvPr id="2" name="Title 1"/>
-          <p:cNvSpPr>
-            <a:spLocks noGrp="1"/>
-          </p:cNvSpPr>
-          <p:nvPr>
-            <p:ph type="title"/>
-          </p:nvPr>
-        </p:nvSpPr>
-        <p:spPr/>
-        <p:txBody>
-          <a:bodyPr/>
-          <a:lstStyle/>
-          <a:p>
-            <a:r>
-              <a:rPr lang="en-US" dirty="0"/>
-              <a:t>Download Handler</a:t>
-            </a:r>
-          </a:p>
-        </p:txBody>
-      </p:sp>
-      <p:sp>
-        <p:nvSpPr>
-          <p:cNvPr id="3" name="Text Placeholder 2"/>
-          <p:cNvSpPr>
-            <a:spLocks noGrp="1"/>
-          </p:cNvSpPr>
-          <p:nvPr>
-            <p:ph type="body" idx="1"/>
-          </p:nvPr>
-        </p:nvSpPr>
-        <p:spPr/>
-        <p:txBody>
-          <a:bodyPr/>
-          <a:lstStyle/>
-          <a:p>
-            <a:endParaRPr lang="en-US"/>
-          </a:p>
-        </p:txBody>
-      </p:sp>
-    </p:spTree>
-    <p:extLst>
-      <p:ext uri="{BB962C8B-B14F-4D97-AF65-F5344CB8AC3E}">
-        <p14:creationId xmlns:p14="http://schemas.microsoft.com/office/powerpoint/2010/main" val="2740599091"/>
-      </p:ext>
-    </p:extLst>
-  </p:cSld>
-  <p:clrMapOvr>
-    <a:masterClrMapping/>
-  </p:clrMapOvr>
-</p:sld>
-</file>
-
-<file path=ppt/slides/slide2.xml><?xml version="1.0" encoding="utf-8"?>
-<p:sld xmlns:a="http://schemas.openxmlformats.org/drawingml/2006/main" xmlns:r="http://schemas.openxmlformats.org/officeDocument/2006/relationships" xmlns:p="http://schemas.openxmlformats.org/presentationml/2006/main">
-  <p:cSld>
-    <p:spTree>
-      <p:nvGrpSpPr>
-        <p:cNvPr id="1" name=""/>
-        <p:cNvGrpSpPr/>
-        <p:nvPr/>
-      </p:nvGrpSpPr>
-      <p:grpSpPr>
-        <a:xfrm>
-          <a:off x="0" y="0"/>
-          <a:ext cx="0" cy="0"/>
-          <a:chOff x="0" y="0"/>
-          <a:chExt cx="0" cy="0"/>
-        </a:xfrm>
-      </p:grpSpPr>
-      <p:sp>
-        <p:nvSpPr>
-          <p:cNvPr id="2" name="Title 1"/>
-          <p:cNvSpPr>
-            <a:spLocks noGrp="1"/>
-          </p:cNvSpPr>
-          <p:nvPr>
-            <p:ph type="title"/>
-          </p:nvPr>
-        </p:nvSpPr>
-        <p:spPr/>
-        <p:txBody>
-          <a:bodyPr/>
-          <a:lstStyle/>
-          <a:p>
-            <a:r>
-              <a:rPr lang="en-US" dirty="0"/>
-              <a:t>Updates</a:t>
-            </a:r>
-          </a:p>
-        </p:txBody>
-      </p:sp>
-      <p:sp>
-        <p:nvSpPr>
-          <p:cNvPr id="3" name="Text Placeholder 2"/>
-          <p:cNvSpPr>
-            <a:spLocks noGrp="1"/>
-          </p:cNvSpPr>
-          <p:nvPr>
-            <p:ph type="body" idx="1"/>
-          </p:nvPr>
-        </p:nvSpPr>
-        <p:spPr/>
-        <p:txBody>
-          <a:bodyPr/>
-          <a:lstStyle/>
-          <a:p>
-            <a:endParaRPr lang="en-US"/>
-          </a:p>
-        </p:txBody>
-      </p:sp>
-    </p:spTree>
-    <p:extLst>
-      <p:ext uri="{BB962C8B-B14F-4D97-AF65-F5344CB8AC3E}">
-        <p14:creationId xmlns:p14="http://schemas.microsoft.com/office/powerpoint/2010/main" val="3069380465"/>
-      </p:ext>
-    </p:extLst>
-  </p:cSld>
-  <p:clrMapOvr>
-    <a:masterClrMapping/>
-  </p:clrMapOvr>
-</p:sld>
-</file>
-
-<file path=ppt/slides/slide3.xml><?xml version="1.0" encoding="utf-8"?>
-<p:sld xmlns:a="http://schemas.openxmlformats.org/drawingml/2006/main" xmlns:r="http://schemas.openxmlformats.org/officeDocument/2006/relationships" xmlns:p="http://schemas.openxmlformats.org/presentationml/2006/main">
-  <p:cSld>
-    <p:spTree>
-      <p:nvGrpSpPr>
-        <p:cNvPr id="1" name=""/>
-        <p:cNvGrpSpPr/>
-        <p:nvPr/>
-      </p:nvGrpSpPr>
-      <p:grpSpPr>
-        <a:xfrm>
-          <a:off x="0" y="0"/>
-          <a:ext cx="0" cy="0"/>
-          <a:chOff x="0" y="0"/>
-          <a:chExt cx="0" cy="0"/>
-        </a:xfrm>
-      </p:grpSpPr>
-      <p:sp>
-        <p:nvSpPr>
-          <p:cNvPr id="4" name="Title 3"/>
-          <p:cNvSpPr>
-            <a:spLocks noGrp="1"/>
-          </p:cNvSpPr>
-          <p:nvPr>
-            <p:ph type="title"/>
-          </p:nvPr>
-        </p:nvSpPr>
-        <p:spPr/>
-        <p:txBody>
-          <a:bodyPr/>
-          <a:lstStyle/>
-          <a:p>
-            <a:r>
-              <a:rPr lang="en-US" dirty="0"/>
-              <a:t>Updates &amp; Observe Events</a:t>
-            </a:r>
-          </a:p>
-        </p:txBody>
-      </p:sp>
-      <p:sp>
-        <p:nvSpPr>
-          <p:cNvPr id="5" name="Content Placeholder 4"/>
-          <p:cNvSpPr>
-            <a:spLocks noGrp="1"/>
-          </p:cNvSpPr>
-          <p:nvPr>
-            <p:ph idx="1"/>
-          </p:nvPr>
-        </p:nvSpPr>
-        <p:spPr/>
-        <p:txBody>
-          <a:bodyPr/>
-          <a:lstStyle/>
-          <a:p>
-            <a:r>
-              <a:rPr lang="en-US" dirty="0"/>
-              <a:t>Any time you wish to update part of your UI you will need to include an event observer. </a:t>
-            </a:r>
-          </a:p>
-          <a:p>
-            <a:r>
-              <a:rPr lang="en-US" dirty="0"/>
-              <a:t>Here you will be observing an input that your user can interact with</a:t>
-            </a:r>
-          </a:p>
-          <a:p>
-            <a:r>
-              <a:rPr lang="en-US" dirty="0"/>
-              <a:t>Observers can be done in one of two ways. Event observers or generic observer function</a:t>
-            </a:r>
-          </a:p>
-          <a:p>
-            <a:pPr lvl="1"/>
+              <a:t>Notification Example (with custom </a:t>
+            </a:r>
             <a:r>
               <a:rPr lang="en-US" dirty="0" err="1"/>
-              <a:t>observeEvent</a:t>
-            </a:r>
-            <a:r>
-              <a:rPr lang="en-US" dirty="0"/>
-              <a:t>() when you are observing a particular input</a:t>
-            </a:r>
-          </a:p>
-          <a:p>
-            <a:pPr lvl="1"/>
-            <a:r>
-              <a:rPr lang="en-US" dirty="0"/>
-              <a:t>observe() works if you want to observe multiple things, or non-input based </a:t>
-            </a:r>
-            <a:r>
-              <a:rPr lang="en-US"/>
-              <a:t>object such as </a:t>
-            </a:r>
-            <a:r>
-              <a:rPr lang="en-US" dirty="0"/>
-              <a:t>the </a:t>
-            </a:r>
-            <a:r>
-              <a:rPr lang="en-US"/>
-              <a:t>output or content of </a:t>
-            </a:r>
-            <a:r>
-              <a:rPr lang="en-US" dirty="0"/>
-              <a:t>a </a:t>
-            </a:r>
-            <a:r>
-              <a:rPr lang="en-US"/>
-              <a:t>reactive function.</a:t>
-            </a:r>
-            <a:endParaRPr lang="en-US" dirty="0"/>
-          </a:p>
-        </p:txBody>
-      </p:sp>
-    </p:spTree>
-    <p:extLst>
-      <p:ext uri="{BB962C8B-B14F-4D97-AF65-F5344CB8AC3E}">
-        <p14:creationId xmlns:p14="http://schemas.microsoft.com/office/powerpoint/2010/main" val="2894566835"/>
-      </p:ext>
-    </p:extLst>
-  </p:cSld>
-  <p:clrMapOvr>
-    <a:masterClrMapping/>
-  </p:clrMapOvr>
-</p:sld>
-</file>
-
-<file path=ppt/slides/slide4.xml><?xml version="1.0" encoding="utf-8"?>
-<p:sld xmlns:a="http://schemas.openxmlformats.org/drawingml/2006/main" xmlns:r="http://schemas.openxmlformats.org/officeDocument/2006/relationships" xmlns:p="http://schemas.openxmlformats.org/presentationml/2006/main">
-  <p:cSld>
-    <p:spTree>
-      <p:nvGrpSpPr>
-        <p:cNvPr id="1" name=""/>
-        <p:cNvGrpSpPr/>
-        <p:nvPr/>
-      </p:nvGrpSpPr>
-      <p:grpSpPr>
-        <a:xfrm>
-          <a:off x="0" y="0"/>
-          <a:ext cx="0" cy="0"/>
-          <a:chOff x="0" y="0"/>
-          <a:chExt cx="0" cy="0"/>
-        </a:xfrm>
-      </p:grpSpPr>
-      <p:pic>
-        <p:nvPicPr>
-          <p:cNvPr id="8" name="Content Placeholder 7">
-            <a:extLst>
-              <a:ext uri="{FF2B5EF4-FFF2-40B4-BE49-F238E27FC236}">
-                <a16:creationId xmlns:a16="http://schemas.microsoft.com/office/drawing/2014/main" id="{D3DD3327-236C-D440-8BEB-92CD1DEC91AE}"/>
-              </a:ext>
-            </a:extLst>
-          </p:cNvPr>
-          <p:cNvPicPr>
-            <a:picLocks noGrp="1" noChangeAspect="1"/>
-          </p:cNvPicPr>
-          <p:nvPr>
-            <p:ph sz="half" idx="4294967295"/>
-          </p:nvPr>
-        </p:nvPicPr>
-        <p:blipFill>
-          <a:blip r:embed="rId2"/>
-          <a:stretch>
-            <a:fillRect/>
-          </a:stretch>
-        </p:blipFill>
-        <p:spPr>
-          <a:xfrm>
-            <a:off x="878541" y="739308"/>
-            <a:ext cx="11020660" cy="5428409"/>
-          </a:xfrm>
-          <a:prstGeom prst="rect">
-            <a:avLst/>
-          </a:prstGeom>
-        </p:spPr>
-      </p:pic>
-    </p:spTree>
-    <p:extLst>
-      <p:ext uri="{BB962C8B-B14F-4D97-AF65-F5344CB8AC3E}">
-        <p14:creationId xmlns:p14="http://schemas.microsoft.com/office/powerpoint/2010/main" val="2460321160"/>
-      </p:ext>
-    </p:extLst>
-  </p:cSld>
-  <p:clrMapOvr>
-    <a:masterClrMapping/>
-  </p:clrMapOvr>
-</p:sld>
-</file>
-
-<file path=ppt/slides/slide5.xml><?xml version="1.0" encoding="utf-8"?>
-<p:sld xmlns:a="http://schemas.openxmlformats.org/drawingml/2006/main" xmlns:r="http://schemas.openxmlformats.org/officeDocument/2006/relationships" xmlns:p="http://schemas.openxmlformats.org/presentationml/2006/main">
-  <p:cSld>
-    <p:spTree>
-      <p:nvGrpSpPr>
-        <p:cNvPr id="1" name=""/>
-        <p:cNvGrpSpPr/>
-        <p:nvPr/>
-      </p:nvGrpSpPr>
-      <p:grpSpPr>
-        <a:xfrm>
-          <a:off x="0" y="0"/>
-          <a:ext cx="0" cy="0"/>
-          <a:chOff x="0" y="0"/>
-          <a:chExt cx="0" cy="0"/>
-        </a:xfrm>
-      </p:grpSpPr>
-      <p:sp>
-        <p:nvSpPr>
-          <p:cNvPr id="2" name="Title 1"/>
-          <p:cNvSpPr>
-            <a:spLocks noGrp="1"/>
-          </p:cNvSpPr>
-          <p:nvPr>
-            <p:ph type="title"/>
-          </p:nvPr>
-        </p:nvSpPr>
-        <p:spPr/>
-        <p:txBody>
-          <a:bodyPr numCol="2"/>
-          <a:lstStyle/>
-          <a:p>
-            <a:r>
-              <a:rPr lang="en-US" dirty="0"/>
-              <a:t>Before:</a:t>
-            </a:r>
-            <a:br>
-              <a:rPr lang="en-US" dirty="0"/>
-            </a:br>
-            <a:br>
-              <a:rPr lang="en-US" dirty="0"/>
-            </a:br>
-            <a:r>
-              <a:rPr lang="en-US" dirty="0"/>
-              <a:t>After:</a:t>
-            </a:r>
-          </a:p>
-        </p:txBody>
-      </p:sp>
-      <p:pic>
-        <p:nvPicPr>
-          <p:cNvPr id="5" name="Content Placeholder 4"/>
-          <p:cNvPicPr>
-            <a:picLocks noGrp="1" noChangeAspect="1"/>
-          </p:cNvPicPr>
-          <p:nvPr>
-            <p:ph sz="half" idx="1"/>
-          </p:nvPr>
-        </p:nvPicPr>
-        <p:blipFill>
-          <a:blip r:embed="rId2">
-            <a:extLst>
-              <a:ext uri="{28A0092B-C50C-407E-A947-70E740481C1C}">
-                <a14:useLocalDpi xmlns:a14="http://schemas.microsoft.com/office/drawing/2010/main" val="0"/>
-              </a:ext>
-            </a:extLst>
-          </a:blip>
-          <a:stretch>
-            <a:fillRect/>
-          </a:stretch>
-        </p:blipFill>
-        <p:spPr>
-          <a:xfrm>
-            <a:off x="1371600" y="2306251"/>
-            <a:ext cx="4448175" cy="3540898"/>
-          </a:xfrm>
-        </p:spPr>
-      </p:pic>
-      <p:pic>
-        <p:nvPicPr>
-          <p:cNvPr id="6" name="Content Placeholder 5"/>
-          <p:cNvPicPr>
-            <a:picLocks noGrp="1" noChangeAspect="1"/>
-          </p:cNvPicPr>
-          <p:nvPr>
-            <p:ph sz="half" idx="2"/>
-          </p:nvPr>
-        </p:nvPicPr>
-        <p:blipFill>
-          <a:blip r:embed="rId3">
-            <a:extLst>
-              <a:ext uri="{28A0092B-C50C-407E-A947-70E740481C1C}">
-                <a14:useLocalDpi xmlns:a14="http://schemas.microsoft.com/office/drawing/2010/main" val="0"/>
-              </a:ext>
-            </a:extLst>
-          </a:blip>
-          <a:stretch>
-            <a:fillRect/>
-          </a:stretch>
-        </p:blipFill>
-        <p:spPr>
-          <a:xfrm>
-            <a:off x="6524625" y="2314923"/>
-            <a:ext cx="4448175" cy="3523554"/>
-          </a:xfrm>
-        </p:spPr>
-      </p:pic>
-    </p:spTree>
-    <p:extLst>
-      <p:ext uri="{BB962C8B-B14F-4D97-AF65-F5344CB8AC3E}">
-        <p14:creationId xmlns:p14="http://schemas.microsoft.com/office/powerpoint/2010/main" val="1935526357"/>
-      </p:ext>
-    </p:extLst>
-  </p:cSld>
-  <p:clrMapOvr>
-    <a:masterClrMapping/>
-  </p:clrMapOvr>
-</p:sld>
-</file>
-
-<file path=ppt/slides/slide6.xml><?xml version="1.0" encoding="utf-8"?>
-<p:sld xmlns:a="http://schemas.openxmlformats.org/drawingml/2006/main" xmlns:r="http://schemas.openxmlformats.org/officeDocument/2006/relationships" xmlns:p="http://schemas.openxmlformats.org/presentationml/2006/main">
-  <p:cSld>
-    <p:spTree>
-      <p:nvGrpSpPr>
-        <p:cNvPr id="1" name=""/>
-        <p:cNvGrpSpPr/>
-        <p:nvPr/>
-      </p:nvGrpSpPr>
-      <p:grpSpPr>
-        <a:xfrm>
-          <a:off x="0" y="0"/>
-          <a:ext cx="0" cy="0"/>
-          <a:chOff x="0" y="0"/>
-          <a:chExt cx="0" cy="0"/>
-        </a:xfrm>
-      </p:grpSpPr>
-      <p:sp>
-        <p:nvSpPr>
-          <p:cNvPr id="2" name="Title 1"/>
-          <p:cNvSpPr>
-            <a:spLocks noGrp="1"/>
-          </p:cNvSpPr>
-          <p:nvPr>
-            <p:ph type="title"/>
-          </p:nvPr>
-        </p:nvSpPr>
-        <p:spPr/>
-        <p:txBody>
-          <a:bodyPr/>
-          <a:lstStyle/>
-          <a:p>
-            <a:r>
-              <a:rPr lang="en-US" dirty="0"/>
-              <a:t>Notifications</a:t>
-            </a:r>
-          </a:p>
-        </p:txBody>
-      </p:sp>
-      <p:sp>
-        <p:nvSpPr>
-          <p:cNvPr id="3" name="Text Placeholder 2"/>
-          <p:cNvSpPr>
-            <a:spLocks noGrp="1"/>
-          </p:cNvSpPr>
-          <p:nvPr>
-            <p:ph type="body" idx="1"/>
-          </p:nvPr>
-        </p:nvSpPr>
-        <p:spPr/>
-        <p:txBody>
-          <a:bodyPr/>
-          <a:lstStyle/>
-          <a:p>
-            <a:endParaRPr lang="en-US"/>
-          </a:p>
-        </p:txBody>
-      </p:sp>
-    </p:spTree>
-    <p:extLst>
-      <p:ext uri="{BB962C8B-B14F-4D97-AF65-F5344CB8AC3E}">
-        <p14:creationId xmlns:p14="http://schemas.microsoft.com/office/powerpoint/2010/main" val="3007398221"/>
-      </p:ext>
-    </p:extLst>
-  </p:cSld>
-  <p:clrMapOvr>
-    <a:masterClrMapping/>
-  </p:clrMapOvr>
-</p:sld>
-</file>
-
-<file path=ppt/slides/slide7.xml><?xml version="1.0" encoding="utf-8"?>
-<p:sld xmlns:a="http://schemas.openxmlformats.org/drawingml/2006/main" xmlns:r="http://schemas.openxmlformats.org/officeDocument/2006/relationships" xmlns:p="http://schemas.openxmlformats.org/presentationml/2006/main">
-  <p:cSld>
-    <p:spTree>
-      <p:nvGrpSpPr>
-        <p:cNvPr id="1" name=""/>
-        <p:cNvGrpSpPr/>
-        <p:nvPr/>
-      </p:nvGrpSpPr>
-      <p:grpSpPr>
-        <a:xfrm>
-          <a:off x="0" y="0"/>
-          <a:ext cx="0" cy="0"/>
-          <a:chOff x="0" y="0"/>
-          <a:chExt cx="0" cy="0"/>
-        </a:xfrm>
-      </p:grpSpPr>
-      <p:sp>
-        <p:nvSpPr>
-          <p:cNvPr id="2" name="Title 1"/>
-          <p:cNvSpPr>
-            <a:spLocks noGrp="1"/>
-          </p:cNvSpPr>
-          <p:nvPr>
-            <p:ph type="title"/>
-          </p:nvPr>
-        </p:nvSpPr>
-        <p:spPr/>
-        <p:txBody>
-          <a:bodyPr/>
-          <a:lstStyle/>
-          <a:p>
-            <a:r>
-              <a:rPr lang="en-US" dirty="0"/>
-              <a:t>Notification Example</a:t>
+              <a:t>css</a:t>
+            </a:r>
+            <a:r>
+              <a:rPr lang="en-US" dirty="0"/>
+              <a:t>)</a:t>
             </a:r>
           </a:p>
         </p:txBody>
@@ -4837,7 +4244,7 @@
 </p:sld>
 </file>
 
-<file path=ppt/slides/slide8.xml><?xml version="1.0" encoding="utf-8"?>
+<file path=ppt/slides/slide12.xml><?xml version="1.0" encoding="utf-8"?>
 <p:sld xmlns:a="http://schemas.openxmlformats.org/drawingml/2006/main" xmlns:r="http://schemas.openxmlformats.org/officeDocument/2006/relationships" xmlns:p="http://schemas.openxmlformats.org/presentationml/2006/main">
   <p:cSld>
     <p:spTree>
@@ -4871,7 +4278,7 @@
           <a:p>
             <a:r>
               <a:rPr lang="en-US" dirty="0"/>
-              <a:t>Bookmarking</a:t>
+              <a:t>Progress Bars</a:t>
             </a:r>
           </a:p>
         </p:txBody>
@@ -4891,14 +4298,14 @@
           <a:bodyPr/>
           <a:lstStyle/>
           <a:p>
-            <a:endParaRPr lang="en-US" dirty="0"/>
+            <a:endParaRPr lang="en-US"/>
           </a:p>
         </p:txBody>
       </p:sp>
     </p:spTree>
     <p:extLst>
       <p:ext uri="{BB962C8B-B14F-4D97-AF65-F5344CB8AC3E}">
-        <p14:creationId xmlns:p14="http://schemas.microsoft.com/office/powerpoint/2010/main" val="343025490"/>
+        <p14:creationId xmlns:p14="http://schemas.microsoft.com/office/powerpoint/2010/main" val="1588794110"/>
       </p:ext>
     </p:extLst>
   </p:cSld>
@@ -4908,7 +4315,7 @@
 </p:sld>
 </file>
 
-<file path=ppt/slides/slide9.xml><?xml version="1.0" encoding="utf-8"?>
+<file path=ppt/slides/slide13.xml><?xml version="1.0" encoding="utf-8"?>
 <p:sld xmlns:a="http://schemas.openxmlformats.org/drawingml/2006/main" xmlns:r="http://schemas.openxmlformats.org/officeDocument/2006/relationships" xmlns:p="http://schemas.openxmlformats.org/presentationml/2006/main">
   <p:cSld>
     <p:spTree>
@@ -4942,7 +4349,1981 @@
           <a:p>
             <a:r>
               <a:rPr lang="en-US" dirty="0"/>
-              <a:t>Bookmarking Example</a:t>
+              <a:t>Progress Bar Example</a:t>
+            </a:r>
+          </a:p>
+        </p:txBody>
+      </p:sp>
+      <p:pic>
+        <p:nvPicPr>
+          <p:cNvPr id="6" name="Picture 5"/>
+          <p:cNvPicPr>
+            <a:picLocks noChangeAspect="1"/>
+          </p:cNvPicPr>
+          <p:nvPr/>
+        </p:nvPicPr>
+        <p:blipFill>
+          <a:blip r:embed="rId2"/>
+          <a:stretch>
+            <a:fillRect/>
+          </a:stretch>
+        </p:blipFill>
+        <p:spPr>
+          <a:xfrm>
+            <a:off x="2410810" y="1428750"/>
+            <a:ext cx="7522779" cy="5334000"/>
+          </a:xfrm>
+          <a:prstGeom prst="rect">
+            <a:avLst/>
+          </a:prstGeom>
+        </p:spPr>
+      </p:pic>
+    </p:spTree>
+    <p:extLst>
+      <p:ext uri="{BB962C8B-B14F-4D97-AF65-F5344CB8AC3E}">
+        <p14:creationId xmlns:p14="http://schemas.microsoft.com/office/powerpoint/2010/main" val="547104623"/>
+      </p:ext>
+    </p:extLst>
+  </p:cSld>
+  <p:clrMapOvr>
+    <a:masterClrMapping/>
+  </p:clrMapOvr>
+</p:sld>
+</file>
+
+<file path=ppt/slides/slide14.xml><?xml version="1.0" encoding="utf-8"?>
+<p:sld xmlns:a="http://schemas.openxmlformats.org/drawingml/2006/main" xmlns:r="http://schemas.openxmlformats.org/officeDocument/2006/relationships" xmlns:p="http://schemas.openxmlformats.org/presentationml/2006/main">
+  <p:cSld>
+    <p:spTree>
+      <p:nvGrpSpPr>
+        <p:cNvPr id="1" name=""/>
+        <p:cNvGrpSpPr/>
+        <p:nvPr/>
+      </p:nvGrpSpPr>
+      <p:grpSpPr>
+        <a:xfrm>
+          <a:off x="0" y="0"/>
+          <a:ext cx="0" cy="0"/>
+          <a:chOff x="0" y="0"/>
+          <a:chExt cx="0" cy="0"/>
+        </a:xfrm>
+      </p:grpSpPr>
+      <p:sp>
+        <p:nvSpPr>
+          <p:cNvPr id="2" name="Title 1"/>
+          <p:cNvSpPr>
+            <a:spLocks noGrp="1"/>
+          </p:cNvSpPr>
+          <p:nvPr>
+            <p:ph type="title"/>
+          </p:nvPr>
+        </p:nvSpPr>
+        <p:spPr/>
+        <p:txBody>
+          <a:bodyPr/>
+          <a:lstStyle/>
+          <a:p>
+            <a:r>
+              <a:rPr lang="en-US" dirty="0"/>
+              <a:t>Values List</a:t>
+            </a:r>
+          </a:p>
+        </p:txBody>
+      </p:sp>
+      <p:sp>
+        <p:nvSpPr>
+          <p:cNvPr id="3" name="Text Placeholder 2"/>
+          <p:cNvSpPr>
+            <a:spLocks noGrp="1"/>
+          </p:cNvSpPr>
+          <p:nvPr>
+            <p:ph type="body" idx="1"/>
+          </p:nvPr>
+        </p:nvSpPr>
+        <p:spPr/>
+        <p:txBody>
+          <a:bodyPr/>
+          <a:lstStyle/>
+          <a:p>
+            <a:endParaRPr lang="en-US"/>
+          </a:p>
+        </p:txBody>
+      </p:sp>
+    </p:spTree>
+    <p:extLst>
+      <p:ext uri="{BB962C8B-B14F-4D97-AF65-F5344CB8AC3E}">
+        <p14:creationId xmlns:p14="http://schemas.microsoft.com/office/powerpoint/2010/main" val="4055771879"/>
+      </p:ext>
+    </p:extLst>
+  </p:cSld>
+  <p:clrMapOvr>
+    <a:masterClrMapping/>
+  </p:clrMapOvr>
+</p:sld>
+</file>
+
+<file path=ppt/slides/slide15.xml><?xml version="1.0" encoding="utf-8"?>
+<p:sld xmlns:a="http://schemas.openxmlformats.org/drawingml/2006/main" xmlns:r="http://schemas.openxmlformats.org/officeDocument/2006/relationships" xmlns:p="http://schemas.openxmlformats.org/presentationml/2006/main">
+  <p:cSld>
+    <p:spTree>
+      <p:nvGrpSpPr>
+        <p:cNvPr id="1" name=""/>
+        <p:cNvGrpSpPr/>
+        <p:nvPr/>
+      </p:nvGrpSpPr>
+      <p:grpSpPr>
+        <a:xfrm>
+          <a:off x="0" y="0"/>
+          <a:ext cx="0" cy="0"/>
+          <a:chOff x="0" y="0"/>
+          <a:chExt cx="0" cy="0"/>
+        </a:xfrm>
+      </p:grpSpPr>
+      <p:sp>
+        <p:nvSpPr>
+          <p:cNvPr id="2" name="Title 1">
+            <a:extLst>
+              <a:ext uri="{FF2B5EF4-FFF2-40B4-BE49-F238E27FC236}">
+                <a16:creationId xmlns:a16="http://schemas.microsoft.com/office/drawing/2014/main" id="{E122223A-C8E6-7C43-A28A-042AB0F4801E}"/>
+              </a:ext>
+            </a:extLst>
+          </p:cNvPr>
+          <p:cNvSpPr>
+            <a:spLocks noGrp="1"/>
+          </p:cNvSpPr>
+          <p:nvPr>
+            <p:ph type="title"/>
+          </p:nvPr>
+        </p:nvSpPr>
+        <p:spPr/>
+        <p:txBody>
+          <a:bodyPr/>
+          <a:lstStyle/>
+          <a:p>
+            <a:r>
+              <a:rPr lang="en-US" dirty="0"/>
+              <a:t>Value Lists are an alternative way to store Data</a:t>
+            </a:r>
+          </a:p>
+        </p:txBody>
+      </p:sp>
+      <p:sp>
+        <p:nvSpPr>
+          <p:cNvPr id="3" name="Content Placeholder 2">
+            <a:extLst>
+              <a:ext uri="{FF2B5EF4-FFF2-40B4-BE49-F238E27FC236}">
+                <a16:creationId xmlns:a16="http://schemas.microsoft.com/office/drawing/2014/main" id="{93BDDCB5-9A92-1440-AD96-D584F95F9A6C}"/>
+              </a:ext>
+            </a:extLst>
+          </p:cNvPr>
+          <p:cNvSpPr>
+            <a:spLocks noGrp="1"/>
+          </p:cNvSpPr>
+          <p:nvPr>
+            <p:ph idx="1"/>
+          </p:nvPr>
+        </p:nvSpPr>
+        <p:spPr/>
+        <p:txBody>
+          <a:bodyPr/>
+          <a:lstStyle/>
+          <a:p>
+            <a:r>
+              <a:rPr lang="en-US" dirty="0"/>
+              <a:t>Instead of using reactive which stores as a function, value lists can be updated on the fly in either reactive() or an observe()/</a:t>
+            </a:r>
+            <a:r>
+              <a:rPr lang="en-US" dirty="0" err="1"/>
+              <a:t>observeEvent</a:t>
+            </a:r>
+            <a:r>
+              <a:rPr lang="en-US" dirty="0"/>
+              <a:t>() function.</a:t>
+            </a:r>
+          </a:p>
+          <a:p>
+            <a:r>
+              <a:rPr lang="en-US" dirty="0" err="1"/>
+              <a:t>reactiveValues</a:t>
+            </a:r>
+            <a:r>
+              <a:rPr lang="en-US" dirty="0"/>
+              <a:t>() is a list that overwrites and are held constant across all of the instances of its use in the app</a:t>
+            </a:r>
+          </a:p>
+          <a:p>
+            <a:endParaRPr lang="en-US" dirty="0"/>
+          </a:p>
+          <a:p>
+            <a:pPr marL="0" indent="0">
+              <a:buNone/>
+            </a:pPr>
+            <a:endParaRPr lang="en-US" dirty="0"/>
+          </a:p>
+          <a:p>
+            <a:r>
+              <a:rPr lang="en-US" dirty="0"/>
+              <a:t>Change the values by saving to the name you want like this:</a:t>
+            </a:r>
+          </a:p>
+        </p:txBody>
+      </p:sp>
+      <p:pic>
+        <p:nvPicPr>
+          <p:cNvPr id="5" name="Picture 4">
+            <a:extLst>
+              <a:ext uri="{FF2B5EF4-FFF2-40B4-BE49-F238E27FC236}">
+                <a16:creationId xmlns:a16="http://schemas.microsoft.com/office/drawing/2014/main" id="{FD819ABF-3B15-4442-97BB-60AEECCF61B2}"/>
+              </a:ext>
+            </a:extLst>
+          </p:cNvPr>
+          <p:cNvPicPr>
+            <a:picLocks noChangeAspect="1"/>
+          </p:cNvPicPr>
+          <p:nvPr/>
+        </p:nvPicPr>
+        <p:blipFill>
+          <a:blip r:embed="rId2"/>
+          <a:stretch>
+            <a:fillRect/>
+          </a:stretch>
+        </p:blipFill>
+        <p:spPr>
+          <a:xfrm>
+            <a:off x="2470150" y="3910450"/>
+            <a:ext cx="7404100" cy="482600"/>
+          </a:xfrm>
+          <a:prstGeom prst="rect">
+            <a:avLst/>
+          </a:prstGeom>
+        </p:spPr>
+      </p:pic>
+      <p:pic>
+        <p:nvPicPr>
+          <p:cNvPr id="7" name="Picture 6">
+            <a:extLst>
+              <a:ext uri="{FF2B5EF4-FFF2-40B4-BE49-F238E27FC236}">
+                <a16:creationId xmlns:a16="http://schemas.microsoft.com/office/drawing/2014/main" id="{F3CB9785-263F-3143-A5A9-33B6E7D29D3C}"/>
+              </a:ext>
+            </a:extLst>
+          </p:cNvPr>
+          <p:cNvPicPr>
+            <a:picLocks noChangeAspect="1"/>
+          </p:cNvPicPr>
+          <p:nvPr/>
+        </p:nvPicPr>
+        <p:blipFill>
+          <a:blip r:embed="rId3"/>
+          <a:stretch>
+            <a:fillRect/>
+          </a:stretch>
+        </p:blipFill>
+        <p:spPr>
+          <a:xfrm>
+            <a:off x="3835811" y="5293592"/>
+            <a:ext cx="3594100" cy="482600"/>
+          </a:xfrm>
+          <a:prstGeom prst="rect">
+            <a:avLst/>
+          </a:prstGeom>
+        </p:spPr>
+      </p:pic>
+    </p:spTree>
+    <p:extLst>
+      <p:ext uri="{BB962C8B-B14F-4D97-AF65-F5344CB8AC3E}">
+        <p14:creationId xmlns:p14="http://schemas.microsoft.com/office/powerpoint/2010/main" val="3473296069"/>
+      </p:ext>
+    </p:extLst>
+  </p:cSld>
+  <p:clrMapOvr>
+    <a:masterClrMapping/>
+  </p:clrMapOvr>
+</p:sld>
+</file>
+
+<file path=ppt/slides/slide16.xml><?xml version="1.0" encoding="utf-8"?>
+<p:sld xmlns:a="http://schemas.openxmlformats.org/drawingml/2006/main" xmlns:r="http://schemas.openxmlformats.org/officeDocument/2006/relationships" xmlns:p="http://schemas.openxmlformats.org/presentationml/2006/main">
+  <p:cSld>
+    <p:spTree>
+      <p:nvGrpSpPr>
+        <p:cNvPr id="1" name=""/>
+        <p:cNvGrpSpPr/>
+        <p:nvPr/>
+      </p:nvGrpSpPr>
+      <p:grpSpPr>
+        <a:xfrm>
+          <a:off x="0" y="0"/>
+          <a:ext cx="0" cy="0"/>
+          <a:chOff x="0" y="0"/>
+          <a:chExt cx="0" cy="0"/>
+        </a:xfrm>
+      </p:grpSpPr>
+      <p:sp>
+        <p:nvSpPr>
+          <p:cNvPr id="4" name="Title 3">
+            <a:extLst>
+              <a:ext uri="{FF2B5EF4-FFF2-40B4-BE49-F238E27FC236}">
+                <a16:creationId xmlns:a16="http://schemas.microsoft.com/office/drawing/2014/main" id="{D871AF72-BC97-F64C-BDBB-B635F67F22A2}"/>
+              </a:ext>
+            </a:extLst>
+          </p:cNvPr>
+          <p:cNvSpPr>
+            <a:spLocks noGrp="1"/>
+          </p:cNvSpPr>
+          <p:nvPr>
+            <p:ph type="title"/>
+          </p:nvPr>
+        </p:nvSpPr>
+        <p:spPr/>
+        <p:txBody>
+          <a:bodyPr/>
+          <a:lstStyle/>
+          <a:p>
+            <a:r>
+              <a:rPr lang="en-US" dirty="0"/>
+              <a:t>Use case: sync multiple action Buttons</a:t>
+            </a:r>
+          </a:p>
+        </p:txBody>
+      </p:sp>
+      <p:sp>
+        <p:nvSpPr>
+          <p:cNvPr id="5" name="Content Placeholder 4">
+            <a:extLst>
+              <a:ext uri="{FF2B5EF4-FFF2-40B4-BE49-F238E27FC236}">
+                <a16:creationId xmlns:a16="http://schemas.microsoft.com/office/drawing/2014/main" id="{4FB4EFBE-9120-3C42-B32F-2D017B0270BF}"/>
+              </a:ext>
+            </a:extLst>
+          </p:cNvPr>
+          <p:cNvSpPr>
+            <a:spLocks noGrp="1"/>
+          </p:cNvSpPr>
+          <p:nvPr>
+            <p:ph sz="half" idx="1"/>
+          </p:nvPr>
+        </p:nvSpPr>
+        <p:spPr>
+          <a:xfrm>
+            <a:off x="1371600" y="2286000"/>
+            <a:ext cx="4447786" cy="2068710"/>
+          </a:xfrm>
+        </p:spPr>
+        <p:txBody>
+          <a:bodyPr/>
+          <a:lstStyle/>
+          <a:p>
+            <a:r>
+              <a:rPr lang="en-US" dirty="0"/>
+              <a:t>By using the observer event we can like 3 action buttons (edit, cancel &amp; submit) together which all impact the UI or data in a similar way</a:t>
+            </a:r>
+          </a:p>
+        </p:txBody>
+      </p:sp>
+      <p:pic>
+        <p:nvPicPr>
+          <p:cNvPr id="8" name="Content Placeholder 7">
+            <a:extLst>
+              <a:ext uri="{FF2B5EF4-FFF2-40B4-BE49-F238E27FC236}">
+                <a16:creationId xmlns:a16="http://schemas.microsoft.com/office/drawing/2014/main" id="{FF8CE8F6-25C9-7F4B-BBB9-B24A36E0310C}"/>
+              </a:ext>
+            </a:extLst>
+          </p:cNvPr>
+          <p:cNvPicPr>
+            <a:picLocks noGrp="1" noChangeAspect="1"/>
+          </p:cNvPicPr>
+          <p:nvPr>
+            <p:ph sz="half" idx="2"/>
+          </p:nvPr>
+        </p:nvPicPr>
+        <p:blipFill>
+          <a:blip r:embed="rId2"/>
+          <a:stretch>
+            <a:fillRect/>
+          </a:stretch>
+        </p:blipFill>
+        <p:spPr>
+          <a:xfrm>
+            <a:off x="5938413" y="3693226"/>
+            <a:ext cx="5291872" cy="661483"/>
+          </a:xfrm>
+        </p:spPr>
+      </p:pic>
+      <p:pic>
+        <p:nvPicPr>
+          <p:cNvPr id="11" name="Picture 10">
+            <a:extLst>
+              <a:ext uri="{FF2B5EF4-FFF2-40B4-BE49-F238E27FC236}">
+                <a16:creationId xmlns:a16="http://schemas.microsoft.com/office/drawing/2014/main" id="{5A657B2B-DC9F-4F47-AA28-CA0B1ED90066}"/>
+              </a:ext>
+            </a:extLst>
+          </p:cNvPr>
+          <p:cNvPicPr>
+            <a:picLocks noChangeAspect="1"/>
+          </p:cNvPicPr>
+          <p:nvPr/>
+        </p:nvPicPr>
+        <p:blipFill>
+          <a:blip r:embed="rId3"/>
+          <a:stretch>
+            <a:fillRect/>
+          </a:stretch>
+        </p:blipFill>
+        <p:spPr>
+          <a:xfrm>
+            <a:off x="5938413" y="2957689"/>
+            <a:ext cx="3275591" cy="439832"/>
+          </a:xfrm>
+          <a:prstGeom prst="rect">
+            <a:avLst/>
+          </a:prstGeom>
+        </p:spPr>
+      </p:pic>
+      <p:pic>
+        <p:nvPicPr>
+          <p:cNvPr id="13" name="Picture 12">
+            <a:extLst>
+              <a:ext uri="{FF2B5EF4-FFF2-40B4-BE49-F238E27FC236}">
+                <a16:creationId xmlns:a16="http://schemas.microsoft.com/office/drawing/2014/main" id="{F0CBB148-D057-1F44-A3DB-F2FC087F82A8}"/>
+              </a:ext>
+            </a:extLst>
+          </p:cNvPr>
+          <p:cNvPicPr>
+            <a:picLocks noChangeAspect="1"/>
+          </p:cNvPicPr>
+          <p:nvPr/>
+        </p:nvPicPr>
+        <p:blipFill rotWithShape="1">
+          <a:blip r:embed="rId4"/>
+          <a:srcRect l="1907"/>
+          <a:stretch/>
+        </p:blipFill>
+        <p:spPr>
+          <a:xfrm>
+            <a:off x="1114116" y="4650414"/>
+            <a:ext cx="10116168" cy="1782477"/>
+          </a:xfrm>
+          <a:prstGeom prst="rect">
+            <a:avLst/>
+          </a:prstGeom>
+        </p:spPr>
+      </p:pic>
+    </p:spTree>
+    <p:extLst>
+      <p:ext uri="{BB962C8B-B14F-4D97-AF65-F5344CB8AC3E}">
+        <p14:creationId xmlns:p14="http://schemas.microsoft.com/office/powerpoint/2010/main" val="2005164567"/>
+      </p:ext>
+    </p:extLst>
+  </p:cSld>
+  <p:clrMapOvr>
+    <a:masterClrMapping/>
+  </p:clrMapOvr>
+</p:sld>
+</file>
+
+<file path=ppt/slides/slide17.xml><?xml version="1.0" encoding="utf-8"?>
+<p:sld xmlns:a="http://schemas.openxmlformats.org/drawingml/2006/main" xmlns:r="http://schemas.openxmlformats.org/officeDocument/2006/relationships" xmlns:p="http://schemas.openxmlformats.org/presentationml/2006/main">
+  <p:cSld>
+    <p:spTree>
+      <p:nvGrpSpPr>
+        <p:cNvPr id="1" name=""/>
+        <p:cNvGrpSpPr/>
+        <p:nvPr/>
+      </p:nvGrpSpPr>
+      <p:grpSpPr>
+        <a:xfrm>
+          <a:off x="0" y="0"/>
+          <a:ext cx="0" cy="0"/>
+          <a:chOff x="0" y="0"/>
+          <a:chExt cx="0" cy="0"/>
+        </a:xfrm>
+      </p:grpSpPr>
+      <p:sp>
+        <p:nvSpPr>
+          <p:cNvPr id="2" name="Title 1"/>
+          <p:cNvSpPr>
+            <a:spLocks noGrp="1"/>
+          </p:cNvSpPr>
+          <p:nvPr>
+            <p:ph type="title"/>
+          </p:nvPr>
+        </p:nvSpPr>
+        <p:spPr/>
+        <p:txBody>
+          <a:bodyPr/>
+          <a:lstStyle/>
+          <a:p>
+            <a:r>
+              <a:rPr lang="en-US" dirty="0"/>
+              <a:t>Updates</a:t>
+            </a:r>
+          </a:p>
+        </p:txBody>
+      </p:sp>
+      <p:sp>
+        <p:nvSpPr>
+          <p:cNvPr id="3" name="Text Placeholder 2"/>
+          <p:cNvSpPr>
+            <a:spLocks noGrp="1"/>
+          </p:cNvSpPr>
+          <p:nvPr>
+            <p:ph type="body" idx="1"/>
+          </p:nvPr>
+        </p:nvSpPr>
+        <p:spPr/>
+        <p:txBody>
+          <a:bodyPr/>
+          <a:lstStyle/>
+          <a:p>
+            <a:endParaRPr lang="en-US"/>
+          </a:p>
+        </p:txBody>
+      </p:sp>
+    </p:spTree>
+    <p:extLst>
+      <p:ext uri="{BB962C8B-B14F-4D97-AF65-F5344CB8AC3E}">
+        <p14:creationId xmlns:p14="http://schemas.microsoft.com/office/powerpoint/2010/main" val="2275729295"/>
+      </p:ext>
+    </p:extLst>
+  </p:cSld>
+  <p:clrMapOvr>
+    <a:masterClrMapping/>
+  </p:clrMapOvr>
+</p:sld>
+</file>
+
+<file path=ppt/slides/slide18.xml><?xml version="1.0" encoding="utf-8"?>
+<p:sld xmlns:a="http://schemas.openxmlformats.org/drawingml/2006/main" xmlns:r="http://schemas.openxmlformats.org/officeDocument/2006/relationships" xmlns:p="http://schemas.openxmlformats.org/presentationml/2006/main">
+  <p:cSld>
+    <p:spTree>
+      <p:nvGrpSpPr>
+        <p:cNvPr id="1" name=""/>
+        <p:cNvGrpSpPr/>
+        <p:nvPr/>
+      </p:nvGrpSpPr>
+      <p:grpSpPr>
+        <a:xfrm>
+          <a:off x="0" y="0"/>
+          <a:ext cx="0" cy="0"/>
+          <a:chOff x="0" y="0"/>
+          <a:chExt cx="0" cy="0"/>
+        </a:xfrm>
+      </p:grpSpPr>
+      <p:sp>
+        <p:nvSpPr>
+          <p:cNvPr id="4" name="Title 3"/>
+          <p:cNvSpPr>
+            <a:spLocks noGrp="1"/>
+          </p:cNvSpPr>
+          <p:nvPr>
+            <p:ph type="title"/>
+          </p:nvPr>
+        </p:nvSpPr>
+        <p:spPr/>
+        <p:txBody>
+          <a:bodyPr/>
+          <a:lstStyle/>
+          <a:p>
+            <a:r>
+              <a:rPr lang="en-US" dirty="0"/>
+              <a:t>Updates &amp; Observe Events</a:t>
+            </a:r>
+          </a:p>
+        </p:txBody>
+      </p:sp>
+      <p:sp>
+        <p:nvSpPr>
+          <p:cNvPr id="5" name="Content Placeholder 4"/>
+          <p:cNvSpPr>
+            <a:spLocks noGrp="1"/>
+          </p:cNvSpPr>
+          <p:nvPr>
+            <p:ph idx="1"/>
+          </p:nvPr>
+        </p:nvSpPr>
+        <p:spPr/>
+        <p:txBody>
+          <a:bodyPr/>
+          <a:lstStyle/>
+          <a:p>
+            <a:r>
+              <a:rPr lang="en-US" dirty="0"/>
+              <a:t>Any time you wish to update part of your UI you will need to include an event observer. </a:t>
+            </a:r>
+          </a:p>
+          <a:p>
+            <a:r>
+              <a:rPr lang="en-US" dirty="0"/>
+              <a:t>Here you will be observing an input that your user can interact with</a:t>
+            </a:r>
+          </a:p>
+          <a:p>
+            <a:r>
+              <a:rPr lang="en-US" dirty="0"/>
+              <a:t>Observers can be done in one of two ways. Event observers or generic observer function</a:t>
+            </a:r>
+          </a:p>
+          <a:p>
+            <a:pPr lvl="1"/>
+            <a:r>
+              <a:rPr lang="en-US" dirty="0" err="1"/>
+              <a:t>observeEvent</a:t>
+            </a:r>
+            <a:r>
+              <a:rPr lang="en-US" dirty="0"/>
+              <a:t>() when you are observing a particular input</a:t>
+            </a:r>
+          </a:p>
+          <a:p>
+            <a:pPr lvl="1"/>
+            <a:r>
+              <a:rPr lang="en-US" dirty="0"/>
+              <a:t>observe() works if you want to observe multiple things, or non-input based object such as the output or content of a reactive function.</a:t>
+            </a:r>
+          </a:p>
+          <a:p>
+            <a:r>
+              <a:rPr lang="en-US" dirty="0"/>
+              <a:t>Alternative to </a:t>
+            </a:r>
+            <a:r>
+              <a:rPr lang="en-US" dirty="0" err="1"/>
+              <a:t>renderUI</a:t>
+            </a:r>
+            <a:r>
+              <a:rPr lang="en-US" dirty="0"/>
+              <a:t>()</a:t>
+            </a:r>
+          </a:p>
+        </p:txBody>
+      </p:sp>
+    </p:spTree>
+    <p:extLst>
+      <p:ext uri="{BB962C8B-B14F-4D97-AF65-F5344CB8AC3E}">
+        <p14:creationId xmlns:p14="http://schemas.microsoft.com/office/powerpoint/2010/main" val="3540391219"/>
+      </p:ext>
+    </p:extLst>
+  </p:cSld>
+  <p:clrMapOvr>
+    <a:masterClrMapping/>
+  </p:clrMapOvr>
+</p:sld>
+</file>
+
+<file path=ppt/slides/slide19.xml><?xml version="1.0" encoding="utf-8"?>
+<p:sld xmlns:a="http://schemas.openxmlformats.org/drawingml/2006/main" xmlns:r="http://schemas.openxmlformats.org/officeDocument/2006/relationships" xmlns:p="http://schemas.openxmlformats.org/presentationml/2006/main">
+  <p:cSld>
+    <p:spTree>
+      <p:nvGrpSpPr>
+        <p:cNvPr id="1" name=""/>
+        <p:cNvGrpSpPr/>
+        <p:nvPr/>
+      </p:nvGrpSpPr>
+      <p:grpSpPr>
+        <a:xfrm>
+          <a:off x="0" y="0"/>
+          <a:ext cx="0" cy="0"/>
+          <a:chOff x="0" y="0"/>
+          <a:chExt cx="0" cy="0"/>
+        </a:xfrm>
+      </p:grpSpPr>
+      <p:pic>
+        <p:nvPicPr>
+          <p:cNvPr id="8" name="Content Placeholder 7">
+            <a:extLst>
+              <a:ext uri="{FF2B5EF4-FFF2-40B4-BE49-F238E27FC236}">
+                <a16:creationId xmlns:a16="http://schemas.microsoft.com/office/drawing/2014/main" id="{D3DD3327-236C-D440-8BEB-92CD1DEC91AE}"/>
+              </a:ext>
+            </a:extLst>
+          </p:cNvPr>
+          <p:cNvPicPr>
+            <a:picLocks noGrp="1" noChangeAspect="1"/>
+          </p:cNvPicPr>
+          <p:nvPr>
+            <p:ph sz="half" idx="4294967295"/>
+          </p:nvPr>
+        </p:nvPicPr>
+        <p:blipFill>
+          <a:blip r:embed="rId2"/>
+          <a:stretch>
+            <a:fillRect/>
+          </a:stretch>
+        </p:blipFill>
+        <p:spPr>
+          <a:xfrm>
+            <a:off x="878541" y="739308"/>
+            <a:ext cx="11020660" cy="5428409"/>
+          </a:xfrm>
+          <a:prstGeom prst="rect">
+            <a:avLst/>
+          </a:prstGeom>
+        </p:spPr>
+      </p:pic>
+    </p:spTree>
+    <p:extLst>
+      <p:ext uri="{BB962C8B-B14F-4D97-AF65-F5344CB8AC3E}">
+        <p14:creationId xmlns:p14="http://schemas.microsoft.com/office/powerpoint/2010/main" val="1936587800"/>
+      </p:ext>
+    </p:extLst>
+  </p:cSld>
+  <p:clrMapOvr>
+    <a:masterClrMapping/>
+  </p:clrMapOvr>
+</p:sld>
+</file>
+
+<file path=ppt/slides/slide2.xml><?xml version="1.0" encoding="utf-8"?>
+<p:sld xmlns:a="http://schemas.openxmlformats.org/drawingml/2006/main" xmlns:r="http://schemas.openxmlformats.org/officeDocument/2006/relationships" xmlns:p="http://schemas.openxmlformats.org/presentationml/2006/main">
+  <p:cSld>
+    <p:spTree>
+      <p:nvGrpSpPr>
+        <p:cNvPr id="1" name=""/>
+        <p:cNvGrpSpPr/>
+        <p:nvPr/>
+      </p:nvGrpSpPr>
+      <p:grpSpPr>
+        <a:xfrm>
+          <a:off x="0" y="0"/>
+          <a:ext cx="0" cy="0"/>
+          <a:chOff x="0" y="0"/>
+          <a:chExt cx="0" cy="0"/>
+        </a:xfrm>
+      </p:grpSpPr>
+      <p:sp>
+        <p:nvSpPr>
+          <p:cNvPr id="2" name="Title 1"/>
+          <p:cNvSpPr>
+            <a:spLocks noGrp="1"/>
+          </p:cNvSpPr>
+          <p:nvPr>
+            <p:ph type="title"/>
+          </p:nvPr>
+        </p:nvSpPr>
+        <p:spPr/>
+        <p:txBody>
+          <a:bodyPr/>
+          <a:lstStyle/>
+          <a:p>
+            <a:r>
+              <a:rPr lang="en-US" dirty="0"/>
+              <a:t>Download Handler</a:t>
+            </a:r>
+          </a:p>
+        </p:txBody>
+      </p:sp>
+      <p:sp>
+        <p:nvSpPr>
+          <p:cNvPr id="3" name="Text Placeholder 2"/>
+          <p:cNvSpPr>
+            <a:spLocks noGrp="1"/>
+          </p:cNvSpPr>
+          <p:nvPr>
+            <p:ph type="body" idx="1"/>
+          </p:nvPr>
+        </p:nvSpPr>
+        <p:spPr/>
+        <p:txBody>
+          <a:bodyPr/>
+          <a:lstStyle/>
+          <a:p>
+            <a:endParaRPr lang="en-US"/>
+          </a:p>
+        </p:txBody>
+      </p:sp>
+    </p:spTree>
+    <p:extLst>
+      <p:ext uri="{BB962C8B-B14F-4D97-AF65-F5344CB8AC3E}">
+        <p14:creationId xmlns:p14="http://schemas.microsoft.com/office/powerpoint/2010/main" val="2740599091"/>
+      </p:ext>
+    </p:extLst>
+  </p:cSld>
+  <p:clrMapOvr>
+    <a:masterClrMapping/>
+  </p:clrMapOvr>
+</p:sld>
+</file>
+
+<file path=ppt/slides/slide20.xml><?xml version="1.0" encoding="utf-8"?>
+<p:sld xmlns:a="http://schemas.openxmlformats.org/drawingml/2006/main" xmlns:r="http://schemas.openxmlformats.org/officeDocument/2006/relationships" xmlns:p="http://schemas.openxmlformats.org/presentationml/2006/main">
+  <p:cSld>
+    <p:spTree>
+      <p:nvGrpSpPr>
+        <p:cNvPr id="1" name=""/>
+        <p:cNvGrpSpPr/>
+        <p:nvPr/>
+      </p:nvGrpSpPr>
+      <p:grpSpPr>
+        <a:xfrm>
+          <a:off x="0" y="0"/>
+          <a:ext cx="0" cy="0"/>
+          <a:chOff x="0" y="0"/>
+          <a:chExt cx="0" cy="0"/>
+        </a:xfrm>
+      </p:grpSpPr>
+      <p:sp>
+        <p:nvSpPr>
+          <p:cNvPr id="2" name="Title 1"/>
+          <p:cNvSpPr>
+            <a:spLocks noGrp="1"/>
+          </p:cNvSpPr>
+          <p:nvPr>
+            <p:ph type="title"/>
+          </p:nvPr>
+        </p:nvSpPr>
+        <p:spPr/>
+        <p:txBody>
+          <a:bodyPr numCol="2"/>
+          <a:lstStyle/>
+          <a:p>
+            <a:r>
+              <a:rPr lang="en-US" dirty="0"/>
+              <a:t>Before:</a:t>
+            </a:r>
+            <a:br>
+              <a:rPr lang="en-US" dirty="0"/>
+            </a:br>
+            <a:br>
+              <a:rPr lang="en-US" dirty="0"/>
+            </a:br>
+            <a:r>
+              <a:rPr lang="en-US" dirty="0"/>
+              <a:t>After:</a:t>
+            </a:r>
+          </a:p>
+        </p:txBody>
+      </p:sp>
+      <p:pic>
+        <p:nvPicPr>
+          <p:cNvPr id="5" name="Content Placeholder 4"/>
+          <p:cNvPicPr>
+            <a:picLocks noGrp="1" noChangeAspect="1"/>
+          </p:cNvPicPr>
+          <p:nvPr>
+            <p:ph sz="half" idx="1"/>
+          </p:nvPr>
+        </p:nvPicPr>
+        <p:blipFill>
+          <a:blip r:embed="rId2">
+            <a:extLst>
+              <a:ext uri="{28A0092B-C50C-407E-A947-70E740481C1C}">
+                <a14:useLocalDpi xmlns:a14="http://schemas.microsoft.com/office/drawing/2010/main" val="0"/>
+              </a:ext>
+            </a:extLst>
+          </a:blip>
+          <a:stretch>
+            <a:fillRect/>
+          </a:stretch>
+        </p:blipFill>
+        <p:spPr>
+          <a:xfrm>
+            <a:off x="1371600" y="2306251"/>
+            <a:ext cx="4448175" cy="3540898"/>
+          </a:xfrm>
+        </p:spPr>
+      </p:pic>
+      <p:pic>
+        <p:nvPicPr>
+          <p:cNvPr id="6" name="Content Placeholder 5"/>
+          <p:cNvPicPr>
+            <a:picLocks noGrp="1" noChangeAspect="1"/>
+          </p:cNvPicPr>
+          <p:nvPr>
+            <p:ph sz="half" idx="2"/>
+          </p:nvPr>
+        </p:nvPicPr>
+        <p:blipFill>
+          <a:blip r:embed="rId3">
+            <a:extLst>
+              <a:ext uri="{28A0092B-C50C-407E-A947-70E740481C1C}">
+                <a14:useLocalDpi xmlns:a14="http://schemas.microsoft.com/office/drawing/2010/main" val="0"/>
+              </a:ext>
+            </a:extLst>
+          </a:blip>
+          <a:stretch>
+            <a:fillRect/>
+          </a:stretch>
+        </p:blipFill>
+        <p:spPr>
+          <a:xfrm>
+            <a:off x="6524625" y="2314923"/>
+            <a:ext cx="4448175" cy="3523554"/>
+          </a:xfrm>
+        </p:spPr>
+      </p:pic>
+    </p:spTree>
+    <p:extLst>
+      <p:ext uri="{BB962C8B-B14F-4D97-AF65-F5344CB8AC3E}">
+        <p14:creationId xmlns:p14="http://schemas.microsoft.com/office/powerpoint/2010/main" val="695194788"/>
+      </p:ext>
+    </p:extLst>
+  </p:cSld>
+  <p:clrMapOvr>
+    <a:masterClrMapping/>
+  </p:clrMapOvr>
+</p:sld>
+</file>
+
+<file path=ppt/slides/slide21.xml><?xml version="1.0" encoding="utf-8"?>
+<p:sld xmlns:a="http://schemas.openxmlformats.org/drawingml/2006/main" xmlns:r="http://schemas.openxmlformats.org/officeDocument/2006/relationships" xmlns:p="http://schemas.openxmlformats.org/presentationml/2006/main">
+  <p:cSld>
+    <p:spTree>
+      <p:nvGrpSpPr>
+        <p:cNvPr id="1" name=""/>
+        <p:cNvGrpSpPr/>
+        <p:nvPr/>
+      </p:nvGrpSpPr>
+      <p:grpSpPr>
+        <a:xfrm>
+          <a:off x="0" y="0"/>
+          <a:ext cx="0" cy="0"/>
+          <a:chOff x="0" y="0"/>
+          <a:chExt cx="0" cy="0"/>
+        </a:xfrm>
+      </p:grpSpPr>
+      <p:sp>
+        <p:nvSpPr>
+          <p:cNvPr id="2" name="Title 1"/>
+          <p:cNvSpPr>
+            <a:spLocks noGrp="1"/>
+          </p:cNvSpPr>
+          <p:nvPr>
+            <p:ph type="title"/>
+          </p:nvPr>
+        </p:nvSpPr>
+        <p:spPr/>
+        <p:txBody>
+          <a:bodyPr>
+            <a:normAutofit fontScale="90000"/>
+          </a:bodyPr>
+          <a:lstStyle/>
+          <a:p>
+            <a:r>
+              <a:rPr lang="en-US" dirty="0"/>
+              <a:t>Expanding Observers with </a:t>
+            </a:r>
+            <a:r>
+              <a:rPr lang="en-US" dirty="0" err="1"/>
+              <a:t>ShinyJS</a:t>
+            </a:r>
+            <a:endParaRPr lang="en-US" dirty="0"/>
+          </a:p>
+        </p:txBody>
+      </p:sp>
+      <p:sp>
+        <p:nvSpPr>
+          <p:cNvPr id="3" name="Text Placeholder 2"/>
+          <p:cNvSpPr>
+            <a:spLocks noGrp="1"/>
+          </p:cNvSpPr>
+          <p:nvPr>
+            <p:ph type="body" idx="1"/>
+          </p:nvPr>
+        </p:nvSpPr>
+        <p:spPr/>
+        <p:txBody>
+          <a:bodyPr/>
+          <a:lstStyle/>
+          <a:p>
+            <a:endParaRPr lang="en-US" dirty="0"/>
+          </a:p>
+        </p:txBody>
+      </p:sp>
+    </p:spTree>
+    <p:extLst>
+      <p:ext uri="{BB962C8B-B14F-4D97-AF65-F5344CB8AC3E}">
+        <p14:creationId xmlns:p14="http://schemas.microsoft.com/office/powerpoint/2010/main" val="1342598017"/>
+      </p:ext>
+    </p:extLst>
+  </p:cSld>
+  <p:clrMapOvr>
+    <a:masterClrMapping/>
+  </p:clrMapOvr>
+</p:sld>
+</file>
+
+<file path=ppt/slides/slide22.xml><?xml version="1.0" encoding="utf-8"?>
+<p:sld xmlns:a="http://schemas.openxmlformats.org/drawingml/2006/main" xmlns:r="http://schemas.openxmlformats.org/officeDocument/2006/relationships" xmlns:p="http://schemas.openxmlformats.org/presentationml/2006/main">
+  <p:cSld>
+    <p:spTree>
+      <p:nvGrpSpPr>
+        <p:cNvPr id="1" name=""/>
+        <p:cNvGrpSpPr/>
+        <p:nvPr/>
+      </p:nvGrpSpPr>
+      <p:grpSpPr>
+        <a:xfrm>
+          <a:off x="0" y="0"/>
+          <a:ext cx="0" cy="0"/>
+          <a:chOff x="0" y="0"/>
+          <a:chExt cx="0" cy="0"/>
+        </a:xfrm>
+      </p:grpSpPr>
+      <p:sp>
+        <p:nvSpPr>
+          <p:cNvPr id="4" name="Title 3">
+            <a:extLst>
+              <a:ext uri="{FF2B5EF4-FFF2-40B4-BE49-F238E27FC236}">
+                <a16:creationId xmlns:a16="http://schemas.microsoft.com/office/drawing/2014/main" id="{5AAF5B52-A2A0-494A-BD28-BF5C60BC810A}"/>
+              </a:ext>
+            </a:extLst>
+          </p:cNvPr>
+          <p:cNvSpPr>
+            <a:spLocks noGrp="1"/>
+          </p:cNvSpPr>
+          <p:nvPr>
+            <p:ph type="title"/>
+          </p:nvPr>
+        </p:nvSpPr>
+        <p:spPr/>
+        <p:txBody>
+          <a:bodyPr/>
+          <a:lstStyle/>
+          <a:p>
+            <a:r>
+              <a:rPr lang="en-US" dirty="0"/>
+              <a:t>What is </a:t>
+            </a:r>
+            <a:r>
+              <a:rPr lang="en-US" dirty="0" err="1"/>
+              <a:t>shinyjs</a:t>
+            </a:r>
+            <a:r>
+              <a:rPr lang="en-US" dirty="0"/>
+              <a:t>?</a:t>
+            </a:r>
+          </a:p>
+        </p:txBody>
+      </p:sp>
+      <p:sp>
+        <p:nvSpPr>
+          <p:cNvPr id="7" name="Content Placeholder 6">
+            <a:extLst>
+              <a:ext uri="{FF2B5EF4-FFF2-40B4-BE49-F238E27FC236}">
+                <a16:creationId xmlns:a16="http://schemas.microsoft.com/office/drawing/2014/main" id="{CF578512-3266-E942-A3F3-87322E6B81AE}"/>
+              </a:ext>
+            </a:extLst>
+          </p:cNvPr>
+          <p:cNvSpPr>
+            <a:spLocks noGrp="1"/>
+          </p:cNvSpPr>
+          <p:nvPr>
+            <p:ph idx="1"/>
+          </p:nvPr>
+        </p:nvSpPr>
+        <p:spPr>
+          <a:xfrm>
+            <a:off x="1371600" y="2286000"/>
+            <a:ext cx="9601200" cy="2749138"/>
+          </a:xfrm>
+        </p:spPr>
+        <p:txBody>
+          <a:bodyPr/>
+          <a:lstStyle/>
+          <a:p>
+            <a:pPr marL="0" indent="0">
+              <a:buNone/>
+            </a:pPr>
+            <a:r>
+              <a:rPr lang="en-US" dirty="0"/>
+              <a:t>“</a:t>
+            </a:r>
+            <a:r>
+              <a:rPr lang="en-US" dirty="0" err="1"/>
+              <a:t>shinyjs</a:t>
+            </a:r>
+            <a:r>
+              <a:rPr lang="en-US" dirty="0"/>
+              <a:t> lets you perform common useful JavaScript operations in Shiny apps that will greatly improve your apps without having to know any JavaScript. </a:t>
+            </a:r>
+            <a:br>
+              <a:rPr lang="en-US" dirty="0"/>
+            </a:br>
+            <a:br>
+              <a:rPr lang="en-US" dirty="0"/>
+            </a:br>
+            <a:r>
+              <a:rPr lang="en-US" dirty="0"/>
+              <a:t>Examples include: hiding an element, disabling an input, resetting an input back to its original value, delaying code execution by a few seconds, and many more useful functions for both the end user and the developer. </a:t>
+            </a:r>
+            <a:r>
+              <a:rPr lang="en-US" dirty="0" err="1"/>
+              <a:t>shinyjs</a:t>
+            </a:r>
+            <a:r>
+              <a:rPr lang="en-US" dirty="0"/>
+              <a:t> can also be used to easily call your own custom JavaScript functions from R.”</a:t>
+            </a:r>
+          </a:p>
+          <a:p>
+            <a:r>
+              <a:rPr lang="en-US" dirty="0"/>
+              <a:t>From </a:t>
+            </a:r>
+            <a:r>
+              <a:rPr lang="en-US" dirty="0" err="1"/>
+              <a:t>github</a:t>
+            </a:r>
+            <a:r>
+              <a:rPr lang="en-US" dirty="0"/>
+              <a:t> page: </a:t>
+            </a:r>
+            <a:r>
+              <a:rPr lang="en-US" dirty="0">
+                <a:hlinkClick r:id="rId2"/>
+              </a:rPr>
+              <a:t>https://github.com/daattali/shinyjs</a:t>
+            </a:r>
+            <a:endParaRPr lang="en-US" dirty="0"/>
+          </a:p>
+          <a:p>
+            <a:endParaRPr lang="en-US" dirty="0"/>
+          </a:p>
+        </p:txBody>
+      </p:sp>
+    </p:spTree>
+    <p:extLst>
+      <p:ext uri="{BB962C8B-B14F-4D97-AF65-F5344CB8AC3E}">
+        <p14:creationId xmlns:p14="http://schemas.microsoft.com/office/powerpoint/2010/main" val="3978341727"/>
+      </p:ext>
+    </p:extLst>
+  </p:cSld>
+  <p:clrMapOvr>
+    <a:masterClrMapping/>
+  </p:clrMapOvr>
+</p:sld>
+</file>
+
+<file path=ppt/slides/slide23.xml><?xml version="1.0" encoding="utf-8"?>
+<p:sld xmlns:a="http://schemas.openxmlformats.org/drawingml/2006/main" xmlns:r="http://schemas.openxmlformats.org/officeDocument/2006/relationships" xmlns:p="http://schemas.openxmlformats.org/presentationml/2006/main">
+  <p:cSld>
+    <p:spTree>
+      <p:nvGrpSpPr>
+        <p:cNvPr id="1" name=""/>
+        <p:cNvGrpSpPr/>
+        <p:nvPr/>
+      </p:nvGrpSpPr>
+      <p:grpSpPr>
+        <a:xfrm>
+          <a:off x="0" y="0"/>
+          <a:ext cx="0" cy="0"/>
+          <a:chOff x="0" y="0"/>
+          <a:chExt cx="0" cy="0"/>
+        </a:xfrm>
+      </p:grpSpPr>
+      <p:sp>
+        <p:nvSpPr>
+          <p:cNvPr id="2" name="Title 1">
+            <a:extLst>
+              <a:ext uri="{FF2B5EF4-FFF2-40B4-BE49-F238E27FC236}">
+                <a16:creationId xmlns:a16="http://schemas.microsoft.com/office/drawing/2014/main" id="{33056BF5-3268-BF4C-BF9B-3EC8F396A18F}"/>
+              </a:ext>
+            </a:extLst>
+          </p:cNvPr>
+          <p:cNvSpPr>
+            <a:spLocks noGrp="1"/>
+          </p:cNvSpPr>
+          <p:nvPr>
+            <p:ph type="title"/>
+          </p:nvPr>
+        </p:nvSpPr>
+        <p:spPr/>
+        <p:txBody>
+          <a:bodyPr/>
+          <a:lstStyle/>
+          <a:p>
+            <a:r>
+              <a:rPr lang="en-US" dirty="0"/>
+              <a:t>Useful functions</a:t>
+            </a:r>
+          </a:p>
+        </p:txBody>
+      </p:sp>
+      <p:sp>
+        <p:nvSpPr>
+          <p:cNvPr id="3" name="Content Placeholder 2">
+            <a:extLst>
+              <a:ext uri="{FF2B5EF4-FFF2-40B4-BE49-F238E27FC236}">
+                <a16:creationId xmlns:a16="http://schemas.microsoft.com/office/drawing/2014/main" id="{F0878E6A-84EC-BB4D-ADEF-48389BBB90B0}"/>
+              </a:ext>
+            </a:extLst>
+          </p:cNvPr>
+          <p:cNvSpPr>
+            <a:spLocks noGrp="1"/>
+          </p:cNvSpPr>
+          <p:nvPr>
+            <p:ph idx="1"/>
+          </p:nvPr>
+        </p:nvSpPr>
+        <p:spPr/>
+        <p:txBody>
+          <a:bodyPr/>
+          <a:lstStyle/>
+          <a:p>
+            <a:r>
+              <a:rPr lang="en-US" dirty="0"/>
+              <a:t>disable()/enable() – disable/enable a UI element to control what users can do.</a:t>
+            </a:r>
+          </a:p>
+          <a:p>
+            <a:r>
+              <a:rPr lang="en-US" dirty="0"/>
+              <a:t>click() – simulate a click on a UI element</a:t>
+            </a:r>
+          </a:p>
+          <a:p>
+            <a:r>
+              <a:rPr lang="en-US" dirty="0"/>
+              <a:t>alert() – send a message through the user’s browser</a:t>
+            </a:r>
+          </a:p>
+          <a:p>
+            <a:r>
+              <a:rPr lang="en-US" dirty="0"/>
+              <a:t>onclick()/</a:t>
+            </a:r>
+            <a:r>
+              <a:rPr lang="en-US" dirty="0" err="1"/>
+              <a:t>onevent</a:t>
+            </a:r>
+            <a:r>
+              <a:rPr lang="en-US" dirty="0"/>
+              <a:t>() – run some code when a UI element is clicked, or an event happens such as a key press or the mouse hovers over something.</a:t>
+            </a:r>
+          </a:p>
+          <a:p>
+            <a:r>
+              <a:rPr lang="en-US" dirty="0"/>
+              <a:t>show(), hide(), toggle() – Display or hide a UI element (with animation)</a:t>
+            </a:r>
+          </a:p>
+        </p:txBody>
+      </p:sp>
+    </p:spTree>
+    <p:extLst>
+      <p:ext uri="{BB962C8B-B14F-4D97-AF65-F5344CB8AC3E}">
+        <p14:creationId xmlns:p14="http://schemas.microsoft.com/office/powerpoint/2010/main" val="1335504846"/>
+      </p:ext>
+    </p:extLst>
+  </p:cSld>
+  <p:clrMapOvr>
+    <a:masterClrMapping/>
+  </p:clrMapOvr>
+</p:sld>
+</file>
+
+<file path=ppt/slides/slide24.xml><?xml version="1.0" encoding="utf-8"?>
+<p:sld xmlns:a="http://schemas.openxmlformats.org/drawingml/2006/main" xmlns:r="http://schemas.openxmlformats.org/officeDocument/2006/relationships" xmlns:p="http://schemas.openxmlformats.org/presentationml/2006/main">
+  <p:cSld>
+    <p:bg>
+      <p:bgPr>
+        <a:solidFill>
+          <a:schemeClr val="bg2"/>
+        </a:solidFill>
+        <a:effectLst/>
+      </p:bgPr>
+    </p:bg>
+    <p:spTree>
+      <p:nvGrpSpPr>
+        <p:cNvPr id="1" name=""/>
+        <p:cNvGrpSpPr/>
+        <p:nvPr/>
+      </p:nvGrpSpPr>
+      <p:grpSpPr>
+        <a:xfrm>
+          <a:off x="0" y="0"/>
+          <a:ext cx="0" cy="0"/>
+          <a:chOff x="0" y="0"/>
+          <a:chExt cx="0" cy="0"/>
+        </a:xfrm>
+      </p:grpSpPr>
+      <p:sp>
+        <p:nvSpPr>
+          <p:cNvPr id="2" name="Title 1">
+            <a:extLst>
+              <a:ext uri="{FF2B5EF4-FFF2-40B4-BE49-F238E27FC236}">
+                <a16:creationId xmlns:a16="http://schemas.microsoft.com/office/drawing/2014/main" id="{FA3023CF-35F3-104D-AA70-64EB39199B56}"/>
+              </a:ext>
+            </a:extLst>
+          </p:cNvPr>
+          <p:cNvSpPr>
+            <a:spLocks noGrp="1"/>
+          </p:cNvSpPr>
+          <p:nvPr>
+            <p:ph type="title"/>
+          </p:nvPr>
+        </p:nvSpPr>
+        <p:spPr/>
+        <p:txBody>
+          <a:bodyPr vert="horz" lIns="91440" tIns="45720" rIns="91440" bIns="45720" rtlCol="0" anchor="t">
+            <a:normAutofit/>
+          </a:bodyPr>
+          <a:lstStyle/>
+          <a:p>
+            <a:r>
+              <a:rPr lang="en-US" dirty="0"/>
+              <a:t>Before </a:t>
+            </a:r>
+            <a:r>
+              <a:rPr lang="en-US" dirty="0" err="1"/>
+              <a:t>shinyjs</a:t>
+            </a:r>
+            <a:endParaRPr lang="en-US" dirty="0"/>
+          </a:p>
+        </p:txBody>
+      </p:sp>
+      <p:pic>
+        <p:nvPicPr>
+          <p:cNvPr id="9" name="Content Placeholder 8">
+            <a:extLst>
+              <a:ext uri="{FF2B5EF4-FFF2-40B4-BE49-F238E27FC236}">
+                <a16:creationId xmlns:a16="http://schemas.microsoft.com/office/drawing/2014/main" id="{21310266-BCBA-2840-ACEC-AB3E69A3FD1A}"/>
+              </a:ext>
+            </a:extLst>
+          </p:cNvPr>
+          <p:cNvPicPr>
+            <a:picLocks noGrp="1" noChangeAspect="1"/>
+          </p:cNvPicPr>
+          <p:nvPr>
+            <p:ph sz="half" idx="2"/>
+          </p:nvPr>
+        </p:nvPicPr>
+        <p:blipFill rotWithShape="1">
+          <a:blip r:embed="rId2"/>
+          <a:srcRect l="822"/>
+          <a:stretch/>
+        </p:blipFill>
+        <p:spPr>
+          <a:xfrm>
+            <a:off x="2042556" y="1550194"/>
+            <a:ext cx="8685521" cy="1513639"/>
+          </a:xfrm>
+        </p:spPr>
+      </p:pic>
+      <p:pic>
+        <p:nvPicPr>
+          <p:cNvPr id="8" name="Content Placeholder 7">
+            <a:extLst>
+              <a:ext uri="{FF2B5EF4-FFF2-40B4-BE49-F238E27FC236}">
+                <a16:creationId xmlns:a16="http://schemas.microsoft.com/office/drawing/2014/main" id="{6E80B00F-E33A-5E47-9CA8-2AE6F792587C}"/>
+              </a:ext>
+            </a:extLst>
+          </p:cNvPr>
+          <p:cNvPicPr>
+            <a:picLocks noGrp="1" noChangeAspect="1"/>
+          </p:cNvPicPr>
+          <p:nvPr>
+            <p:ph sz="quarter" idx="4"/>
+          </p:nvPr>
+        </p:nvPicPr>
+        <p:blipFill rotWithShape="1">
+          <a:blip r:embed="rId3"/>
+          <a:stretch/>
+        </p:blipFill>
+        <p:spPr>
+          <a:xfrm>
+            <a:off x="3753611" y="4149241"/>
+            <a:ext cx="3149600" cy="1993900"/>
+          </a:xfrm>
+          <a:prstGeom prst="rect">
+            <a:avLst/>
+          </a:prstGeom>
+        </p:spPr>
+      </p:pic>
+      <p:sp>
+        <p:nvSpPr>
+          <p:cNvPr id="27" name="Title 1">
+            <a:extLst>
+              <a:ext uri="{FF2B5EF4-FFF2-40B4-BE49-F238E27FC236}">
+                <a16:creationId xmlns:a16="http://schemas.microsoft.com/office/drawing/2014/main" id="{C8754B19-A312-5244-94C6-E4CBC1FF9A1E}"/>
+              </a:ext>
+            </a:extLst>
+          </p:cNvPr>
+          <p:cNvSpPr txBox="1">
+            <a:spLocks/>
+          </p:cNvSpPr>
+          <p:nvPr/>
+        </p:nvSpPr>
+        <p:spPr>
+          <a:xfrm>
+            <a:off x="7223581" y="4657241"/>
+            <a:ext cx="3749219" cy="1485900"/>
+          </a:xfrm>
+          <a:prstGeom prst="rect">
+            <a:avLst/>
+          </a:prstGeom>
+        </p:spPr>
+        <p:txBody>
+          <a:bodyPr vert="horz" lIns="91440" tIns="45720" rIns="91440" bIns="45720" rtlCol="0" anchor="t">
+            <a:normAutofit/>
+          </a:bodyPr>
+          <a:lstStyle>
+            <a:lvl1pPr algn="l" defTabSz="914400" rtl="0" eaLnBrk="1" latinLnBrk="0" hangingPunct="1">
+              <a:lnSpc>
+                <a:spcPct val="89000"/>
+              </a:lnSpc>
+              <a:spcBef>
+                <a:spcPct val="0"/>
+              </a:spcBef>
+              <a:buNone/>
+              <a:defRPr sz="4400" kern="1200" baseline="0">
+                <a:solidFill>
+                  <a:schemeClr val="tx2"/>
+                </a:solidFill>
+                <a:latin typeface="+mj-lt"/>
+                <a:ea typeface="+mj-ea"/>
+                <a:cs typeface="+mj-cs"/>
+              </a:defRPr>
+            </a:lvl1pPr>
+          </a:lstStyle>
+          <a:p>
+            <a:r>
+              <a:rPr lang="en-US" dirty="0"/>
+              <a:t>After </a:t>
+            </a:r>
+            <a:r>
+              <a:rPr lang="en-US" dirty="0" err="1"/>
+              <a:t>shinyjs</a:t>
+            </a:r>
+            <a:endParaRPr lang="en-US" dirty="0"/>
+          </a:p>
+        </p:txBody>
+      </p:sp>
+    </p:spTree>
+    <p:extLst>
+      <p:ext uri="{BB962C8B-B14F-4D97-AF65-F5344CB8AC3E}">
+        <p14:creationId xmlns:p14="http://schemas.microsoft.com/office/powerpoint/2010/main" val="1554631296"/>
+      </p:ext>
+    </p:extLst>
+  </p:cSld>
+  <p:clrMapOvr>
+    <a:masterClrMapping/>
+  </p:clrMapOvr>
+</p:sld>
+</file>
+
+<file path=ppt/slides/slide3.xml><?xml version="1.0" encoding="utf-8"?>
+<p:sld xmlns:a="http://schemas.openxmlformats.org/drawingml/2006/main" xmlns:r="http://schemas.openxmlformats.org/officeDocument/2006/relationships" xmlns:p="http://schemas.openxmlformats.org/presentationml/2006/main">
+  <p:cSld>
+    <p:spTree>
+      <p:nvGrpSpPr>
+        <p:cNvPr id="1" name=""/>
+        <p:cNvGrpSpPr/>
+        <p:nvPr/>
+      </p:nvGrpSpPr>
+      <p:grpSpPr>
+        <a:xfrm>
+          <a:off x="0" y="0"/>
+          <a:ext cx="0" cy="0"/>
+          <a:chOff x="0" y="0"/>
+          <a:chExt cx="0" cy="0"/>
+        </a:xfrm>
+      </p:grpSpPr>
+      <p:sp>
+        <p:nvSpPr>
+          <p:cNvPr id="2" name="Title 1">
+            <a:extLst>
+              <a:ext uri="{FF2B5EF4-FFF2-40B4-BE49-F238E27FC236}">
+                <a16:creationId xmlns:a16="http://schemas.microsoft.com/office/drawing/2014/main" id="{5A664A3E-68C8-244E-8756-46DC6C7A2E0C}"/>
+              </a:ext>
+            </a:extLst>
+          </p:cNvPr>
+          <p:cNvSpPr>
+            <a:spLocks noGrp="1"/>
+          </p:cNvSpPr>
+          <p:nvPr>
+            <p:ph type="title"/>
+          </p:nvPr>
+        </p:nvSpPr>
+        <p:spPr/>
+        <p:txBody>
+          <a:bodyPr/>
+          <a:lstStyle/>
+          <a:p>
+            <a:r>
+              <a:rPr lang="en-US" dirty="0"/>
+              <a:t>Download Handler</a:t>
+            </a:r>
+          </a:p>
+        </p:txBody>
+      </p:sp>
+      <p:sp>
+        <p:nvSpPr>
+          <p:cNvPr id="3" name="Content Placeholder 2">
+            <a:extLst>
+              <a:ext uri="{FF2B5EF4-FFF2-40B4-BE49-F238E27FC236}">
+                <a16:creationId xmlns:a16="http://schemas.microsoft.com/office/drawing/2014/main" id="{D1B26809-8472-254F-A0C8-073945065B1F}"/>
+              </a:ext>
+            </a:extLst>
+          </p:cNvPr>
+          <p:cNvSpPr>
+            <a:spLocks noGrp="1"/>
+          </p:cNvSpPr>
+          <p:nvPr>
+            <p:ph sz="half" idx="1"/>
+          </p:nvPr>
+        </p:nvSpPr>
+        <p:spPr>
+          <a:xfrm>
+            <a:off x="1371600" y="1805049"/>
+            <a:ext cx="4447786" cy="4062351"/>
+          </a:xfrm>
+        </p:spPr>
+        <p:txBody>
+          <a:bodyPr>
+            <a:normAutofit/>
+          </a:bodyPr>
+          <a:lstStyle/>
+          <a:p>
+            <a:r>
+              <a:rPr lang="en-US" dirty="0"/>
+              <a:t>Downloads can be either a Button or a Link in the UI</a:t>
+            </a:r>
+          </a:p>
+          <a:p>
+            <a:r>
+              <a:rPr lang="en-US" dirty="0"/>
+              <a:t>The Handler is a function with two parts:</a:t>
+            </a:r>
+          </a:p>
+          <a:p>
+            <a:pPr lvl="1"/>
+            <a:r>
+              <a:rPr lang="en-US" dirty="0"/>
+              <a:t>Filename: here as a paste function to include the date</a:t>
+            </a:r>
+          </a:p>
+          <a:p>
+            <a:pPr lvl="1"/>
+            <a:r>
+              <a:rPr lang="en-US" dirty="0"/>
+              <a:t>Content: here calling the reactive data from </a:t>
+            </a:r>
+            <a:r>
+              <a:rPr lang="en-US" dirty="0" err="1"/>
+              <a:t>starWarsInputs</a:t>
+            </a:r>
+            <a:r>
+              <a:rPr lang="en-US" dirty="0"/>
+              <a:t>()</a:t>
+            </a:r>
+          </a:p>
+          <a:p>
+            <a:r>
+              <a:rPr lang="en-US" dirty="0"/>
+              <a:t>The file name, type or content can also be changed from any input</a:t>
+            </a:r>
+          </a:p>
+        </p:txBody>
+      </p:sp>
+      <p:pic>
+        <p:nvPicPr>
+          <p:cNvPr id="6" name="Content Placeholder 5">
+            <a:extLst>
+              <a:ext uri="{FF2B5EF4-FFF2-40B4-BE49-F238E27FC236}">
+                <a16:creationId xmlns:a16="http://schemas.microsoft.com/office/drawing/2014/main" id="{42D5B381-136E-D34C-9741-3081CDDF0514}"/>
+              </a:ext>
+            </a:extLst>
+          </p:cNvPr>
+          <p:cNvPicPr>
+            <a:picLocks noGrp="1" noChangeAspect="1"/>
+          </p:cNvPicPr>
+          <p:nvPr>
+            <p:ph sz="half" idx="2"/>
+          </p:nvPr>
+        </p:nvPicPr>
+        <p:blipFill>
+          <a:blip r:embed="rId2"/>
+          <a:stretch>
+            <a:fillRect/>
+          </a:stretch>
+        </p:blipFill>
+        <p:spPr>
+          <a:xfrm>
+            <a:off x="6524625" y="3281560"/>
+            <a:ext cx="4448175" cy="1590280"/>
+          </a:xfrm>
+        </p:spPr>
+      </p:pic>
+    </p:spTree>
+    <p:extLst>
+      <p:ext uri="{BB962C8B-B14F-4D97-AF65-F5344CB8AC3E}">
+        <p14:creationId xmlns:p14="http://schemas.microsoft.com/office/powerpoint/2010/main" val="3827929152"/>
+      </p:ext>
+    </p:extLst>
+  </p:cSld>
+  <p:clrMapOvr>
+    <a:masterClrMapping/>
+  </p:clrMapOvr>
+</p:sld>
+</file>
+
+<file path=ppt/slides/slide4.xml><?xml version="1.0" encoding="utf-8"?>
+<p:sld xmlns:a="http://schemas.openxmlformats.org/drawingml/2006/main" xmlns:r="http://schemas.openxmlformats.org/officeDocument/2006/relationships" xmlns:p="http://schemas.openxmlformats.org/presentationml/2006/main">
+  <p:cSld>
+    <p:spTree>
+      <p:nvGrpSpPr>
+        <p:cNvPr id="1" name=""/>
+        <p:cNvGrpSpPr/>
+        <p:nvPr/>
+      </p:nvGrpSpPr>
+      <p:grpSpPr>
+        <a:xfrm>
+          <a:off x="0" y="0"/>
+          <a:ext cx="0" cy="0"/>
+          <a:chOff x="0" y="0"/>
+          <a:chExt cx="0" cy="0"/>
+        </a:xfrm>
+      </p:grpSpPr>
+      <p:sp>
+        <p:nvSpPr>
+          <p:cNvPr id="2" name="Title 1"/>
+          <p:cNvSpPr>
+            <a:spLocks noGrp="1"/>
+          </p:cNvSpPr>
+          <p:nvPr>
+            <p:ph type="title"/>
+          </p:nvPr>
+        </p:nvSpPr>
+        <p:spPr/>
+        <p:txBody>
+          <a:bodyPr/>
+          <a:lstStyle/>
+          <a:p>
+            <a:r>
+              <a:rPr lang="en-US" dirty="0"/>
+              <a:t>Bookmarking</a:t>
+            </a:r>
+          </a:p>
+        </p:txBody>
+      </p:sp>
+      <p:sp>
+        <p:nvSpPr>
+          <p:cNvPr id="3" name="Text Placeholder 2"/>
+          <p:cNvSpPr>
+            <a:spLocks noGrp="1"/>
+          </p:cNvSpPr>
+          <p:nvPr>
+            <p:ph type="body" idx="1"/>
+          </p:nvPr>
+        </p:nvSpPr>
+        <p:spPr/>
+        <p:txBody>
+          <a:bodyPr/>
+          <a:lstStyle/>
+          <a:p>
+            <a:endParaRPr lang="en-US" dirty="0"/>
+          </a:p>
+        </p:txBody>
+      </p:sp>
+    </p:spTree>
+    <p:extLst>
+      <p:ext uri="{BB962C8B-B14F-4D97-AF65-F5344CB8AC3E}">
+        <p14:creationId xmlns:p14="http://schemas.microsoft.com/office/powerpoint/2010/main" val="343025490"/>
+      </p:ext>
+    </p:extLst>
+  </p:cSld>
+  <p:clrMapOvr>
+    <a:masterClrMapping/>
+  </p:clrMapOvr>
+</p:sld>
+</file>
+
+<file path=ppt/slides/slide5.xml><?xml version="1.0" encoding="utf-8"?>
+<p:sld xmlns:a="http://schemas.openxmlformats.org/drawingml/2006/main" xmlns:r="http://schemas.openxmlformats.org/officeDocument/2006/relationships" xmlns:p="http://schemas.openxmlformats.org/presentationml/2006/main">
+  <p:cSld>
+    <p:spTree>
+      <p:nvGrpSpPr>
+        <p:cNvPr id="1" name=""/>
+        <p:cNvGrpSpPr/>
+        <p:nvPr/>
+      </p:nvGrpSpPr>
+      <p:grpSpPr>
+        <a:xfrm>
+          <a:off x="0" y="0"/>
+          <a:ext cx="0" cy="0"/>
+          <a:chOff x="0" y="0"/>
+          <a:chExt cx="0" cy="0"/>
+        </a:xfrm>
+      </p:grpSpPr>
+      <p:sp>
+        <p:nvSpPr>
+          <p:cNvPr id="2" name="Title 1">
+            <a:extLst>
+              <a:ext uri="{FF2B5EF4-FFF2-40B4-BE49-F238E27FC236}">
+                <a16:creationId xmlns:a16="http://schemas.microsoft.com/office/drawing/2014/main" id="{1F80188C-B273-574D-93FD-81B3C5EB152F}"/>
+              </a:ext>
+            </a:extLst>
+          </p:cNvPr>
+          <p:cNvSpPr>
+            <a:spLocks noGrp="1"/>
+          </p:cNvSpPr>
+          <p:nvPr>
+            <p:ph type="title"/>
+          </p:nvPr>
+        </p:nvSpPr>
+        <p:spPr/>
+        <p:txBody>
+          <a:bodyPr/>
+          <a:lstStyle/>
+          <a:p>
+            <a:r>
+              <a:rPr lang="en-US" dirty="0"/>
+              <a:t>What is bookmarking?</a:t>
+            </a:r>
+          </a:p>
+        </p:txBody>
+      </p:sp>
+      <p:sp>
+        <p:nvSpPr>
+          <p:cNvPr id="3" name="Content Placeholder 2">
+            <a:extLst>
+              <a:ext uri="{FF2B5EF4-FFF2-40B4-BE49-F238E27FC236}">
+                <a16:creationId xmlns:a16="http://schemas.microsoft.com/office/drawing/2014/main" id="{E0E1F3A6-DE4B-9049-9F7A-D801830EADAA}"/>
+              </a:ext>
+            </a:extLst>
+          </p:cNvPr>
+          <p:cNvSpPr>
+            <a:spLocks noGrp="1"/>
+          </p:cNvSpPr>
+          <p:nvPr>
+            <p:ph idx="1"/>
+          </p:nvPr>
+        </p:nvSpPr>
+        <p:spPr/>
+        <p:txBody>
+          <a:bodyPr/>
+          <a:lstStyle/>
+          <a:p>
+            <a:r>
+              <a:rPr lang="en-US" dirty="0"/>
+              <a:t>Bookmarking allows you to save application states so users can easily access their settings</a:t>
+            </a:r>
+          </a:p>
+          <a:p>
+            <a:r>
+              <a:rPr lang="en-US" dirty="0"/>
+              <a:t>Not all of your inputs have to be available, you can create a blacklist of inputs using the </a:t>
+            </a:r>
+            <a:r>
+              <a:rPr lang="en-US" dirty="0" err="1"/>
+              <a:t>setBookmarkExclude</a:t>
+            </a:r>
+            <a:r>
+              <a:rPr lang="en-US" dirty="0"/>
+              <a:t>() function</a:t>
+            </a:r>
+          </a:p>
+          <a:p>
+            <a:r>
+              <a:rPr lang="en-US" dirty="0"/>
+              <a:t>There are two methods of Bookmarking, Server and URL</a:t>
+            </a:r>
+          </a:p>
+          <a:p>
+            <a:endParaRPr lang="en-US" dirty="0"/>
+          </a:p>
+        </p:txBody>
+      </p:sp>
+    </p:spTree>
+    <p:extLst>
+      <p:ext uri="{BB962C8B-B14F-4D97-AF65-F5344CB8AC3E}">
+        <p14:creationId xmlns:p14="http://schemas.microsoft.com/office/powerpoint/2010/main" val="755108132"/>
+      </p:ext>
+    </p:extLst>
+  </p:cSld>
+  <p:clrMapOvr>
+    <a:masterClrMapping/>
+  </p:clrMapOvr>
+</p:sld>
+</file>
+
+<file path=ppt/slides/slide6.xml><?xml version="1.0" encoding="utf-8"?>
+<p:sld xmlns:a="http://schemas.openxmlformats.org/drawingml/2006/main" xmlns:r="http://schemas.openxmlformats.org/officeDocument/2006/relationships" xmlns:p="http://schemas.openxmlformats.org/presentationml/2006/main">
+  <p:cSld>
+    <p:spTree>
+      <p:nvGrpSpPr>
+        <p:cNvPr id="1" name=""/>
+        <p:cNvGrpSpPr/>
+        <p:nvPr/>
+      </p:nvGrpSpPr>
+      <p:grpSpPr>
+        <a:xfrm>
+          <a:off x="0" y="0"/>
+          <a:ext cx="0" cy="0"/>
+          <a:chOff x="0" y="0"/>
+          <a:chExt cx="0" cy="0"/>
+        </a:xfrm>
+      </p:grpSpPr>
+      <p:sp>
+        <p:nvSpPr>
+          <p:cNvPr id="4" name="Title 3">
+            <a:extLst>
+              <a:ext uri="{FF2B5EF4-FFF2-40B4-BE49-F238E27FC236}">
+                <a16:creationId xmlns:a16="http://schemas.microsoft.com/office/drawing/2014/main" id="{42904770-9705-CD4D-8751-E28FBA3E06A8}"/>
+              </a:ext>
+            </a:extLst>
+          </p:cNvPr>
+          <p:cNvSpPr>
+            <a:spLocks noGrp="1"/>
+          </p:cNvSpPr>
+          <p:nvPr>
+            <p:ph type="title"/>
+          </p:nvPr>
+        </p:nvSpPr>
+        <p:spPr/>
+        <p:txBody>
+          <a:bodyPr/>
+          <a:lstStyle/>
+          <a:p>
+            <a:r>
+              <a:rPr lang="en-US" dirty="0"/>
+              <a:t>Bookmarking</a:t>
+            </a:r>
+          </a:p>
+        </p:txBody>
+      </p:sp>
+      <p:sp>
+        <p:nvSpPr>
+          <p:cNvPr id="5" name="Content Placeholder 4">
+            <a:extLst>
+              <a:ext uri="{FF2B5EF4-FFF2-40B4-BE49-F238E27FC236}">
+                <a16:creationId xmlns:a16="http://schemas.microsoft.com/office/drawing/2014/main" id="{919C5A85-B2F5-5A41-87BD-FBE78520C842}"/>
+              </a:ext>
+            </a:extLst>
+          </p:cNvPr>
+          <p:cNvSpPr>
+            <a:spLocks noGrp="1"/>
+          </p:cNvSpPr>
+          <p:nvPr>
+            <p:ph sz="half" idx="1"/>
+          </p:nvPr>
+        </p:nvSpPr>
+        <p:spPr/>
+        <p:txBody>
+          <a:bodyPr/>
+          <a:lstStyle/>
+          <a:p>
+            <a:r>
+              <a:rPr lang="en-US" dirty="0"/>
+              <a:t>Server side</a:t>
+            </a:r>
+          </a:p>
+          <a:p>
+            <a:pPr lvl="1"/>
+            <a:r>
+              <a:rPr lang="en-US" dirty="0"/>
+              <a:t>Remembers people’s settings using cookies</a:t>
+            </a:r>
+          </a:p>
+          <a:p>
+            <a:pPr lvl="1"/>
+            <a:r>
+              <a:rPr lang="en-US" dirty="0"/>
+              <a:t>Specific button created for saving the state on the server side</a:t>
+            </a:r>
+          </a:p>
+          <a:p>
+            <a:pPr lvl="1"/>
+            <a:r>
+              <a:rPr lang="en-US" dirty="0"/>
+              <a:t>States are saved on the server and loaded</a:t>
+            </a:r>
+          </a:p>
+        </p:txBody>
+      </p:sp>
+      <p:sp>
+        <p:nvSpPr>
+          <p:cNvPr id="6" name="Content Placeholder 5">
+            <a:extLst>
+              <a:ext uri="{FF2B5EF4-FFF2-40B4-BE49-F238E27FC236}">
+                <a16:creationId xmlns:a16="http://schemas.microsoft.com/office/drawing/2014/main" id="{7AB31F04-DD44-6B49-B643-AF9A7889BF78}"/>
+              </a:ext>
+            </a:extLst>
+          </p:cNvPr>
+          <p:cNvSpPr>
+            <a:spLocks noGrp="1"/>
+          </p:cNvSpPr>
+          <p:nvPr>
+            <p:ph sz="half" idx="2"/>
+          </p:nvPr>
+        </p:nvSpPr>
+        <p:spPr/>
+        <p:txBody>
+          <a:bodyPr/>
+          <a:lstStyle/>
+          <a:p>
+            <a:r>
+              <a:rPr lang="en-US" dirty="0"/>
+              <a:t>URL Side</a:t>
+            </a:r>
+          </a:p>
+          <a:p>
+            <a:pPr lvl="1"/>
+            <a:r>
+              <a:rPr lang="en-US" dirty="0"/>
+              <a:t>Translates URL into the input settings of your application</a:t>
+            </a:r>
+          </a:p>
+          <a:p>
+            <a:pPr lvl="1"/>
+            <a:r>
+              <a:rPr lang="en-US" dirty="0"/>
+              <a:t>Either a button can be added to the UI or Shiny can dynamically update the URL so a user can bookmark it</a:t>
+            </a:r>
+          </a:p>
+          <a:p>
+            <a:pPr lvl="1"/>
+            <a:endParaRPr lang="en-US" dirty="0"/>
+          </a:p>
+        </p:txBody>
+      </p:sp>
+    </p:spTree>
+    <p:extLst>
+      <p:ext uri="{BB962C8B-B14F-4D97-AF65-F5344CB8AC3E}">
+        <p14:creationId xmlns:p14="http://schemas.microsoft.com/office/powerpoint/2010/main" val="1673372546"/>
+      </p:ext>
+    </p:extLst>
+  </p:cSld>
+  <p:clrMapOvr>
+    <a:masterClrMapping/>
+  </p:clrMapOvr>
+</p:sld>
+</file>
+
+<file path=ppt/slides/slide7.xml><?xml version="1.0" encoding="utf-8"?>
+<p:sld xmlns:a="http://schemas.openxmlformats.org/drawingml/2006/main" xmlns:r="http://schemas.openxmlformats.org/officeDocument/2006/relationships" xmlns:p="http://schemas.openxmlformats.org/presentationml/2006/main">
+  <p:cSld>
+    <p:spTree>
+      <p:nvGrpSpPr>
+        <p:cNvPr id="1" name=""/>
+        <p:cNvGrpSpPr/>
+        <p:nvPr/>
+      </p:nvGrpSpPr>
+      <p:grpSpPr>
+        <a:xfrm>
+          <a:off x="0" y="0"/>
+          <a:ext cx="0" cy="0"/>
+          <a:chOff x="0" y="0"/>
+          <a:chExt cx="0" cy="0"/>
+        </a:xfrm>
+      </p:grpSpPr>
+      <p:sp>
+        <p:nvSpPr>
+          <p:cNvPr id="2" name="Title 1"/>
+          <p:cNvSpPr>
+            <a:spLocks noGrp="1"/>
+          </p:cNvSpPr>
+          <p:nvPr>
+            <p:ph type="title"/>
+          </p:nvPr>
+        </p:nvSpPr>
+        <p:spPr/>
+        <p:txBody>
+          <a:bodyPr/>
+          <a:lstStyle/>
+          <a:p>
+            <a:r>
+              <a:rPr lang="en-US" dirty="0"/>
+              <a:t>URL Bookmarking Example</a:t>
             </a:r>
           </a:p>
         </p:txBody>
@@ -5005,6 +6386,198 @@
     <p:extLst>
       <p:ext uri="{BB962C8B-B14F-4D97-AF65-F5344CB8AC3E}">
         <p14:creationId xmlns:p14="http://schemas.microsoft.com/office/powerpoint/2010/main" val="2309609018"/>
+      </p:ext>
+    </p:extLst>
+  </p:cSld>
+  <p:clrMapOvr>
+    <a:masterClrMapping/>
+  </p:clrMapOvr>
+</p:sld>
+</file>
+
+<file path=ppt/slides/slide8.xml><?xml version="1.0" encoding="utf-8"?>
+<p:sld xmlns:a="http://schemas.openxmlformats.org/drawingml/2006/main" xmlns:r="http://schemas.openxmlformats.org/officeDocument/2006/relationships" xmlns:p="http://schemas.openxmlformats.org/presentationml/2006/main">
+  <p:cSld>
+    <p:spTree>
+      <p:nvGrpSpPr>
+        <p:cNvPr id="1" name=""/>
+        <p:cNvGrpSpPr/>
+        <p:nvPr/>
+      </p:nvGrpSpPr>
+      <p:grpSpPr>
+        <a:xfrm>
+          <a:off x="0" y="0"/>
+          <a:ext cx="0" cy="0"/>
+          <a:chOff x="0" y="0"/>
+          <a:chExt cx="0" cy="0"/>
+        </a:xfrm>
+      </p:grpSpPr>
+      <p:sp>
+        <p:nvSpPr>
+          <p:cNvPr id="2" name="Title 1">
+            <a:extLst>
+              <a:ext uri="{FF2B5EF4-FFF2-40B4-BE49-F238E27FC236}">
+                <a16:creationId xmlns:a16="http://schemas.microsoft.com/office/drawing/2014/main" id="{5A593E9A-FC2C-7B43-84DE-538E676A9FC3}"/>
+              </a:ext>
+            </a:extLst>
+          </p:cNvPr>
+          <p:cNvSpPr>
+            <a:spLocks noGrp="1"/>
+          </p:cNvSpPr>
+          <p:nvPr>
+            <p:ph type="title"/>
+          </p:nvPr>
+        </p:nvSpPr>
+        <p:spPr/>
+        <p:txBody>
+          <a:bodyPr/>
+          <a:lstStyle/>
+          <a:p>
+            <a:r>
+              <a:rPr lang="en-US" dirty="0" err="1"/>
+              <a:t>onRestore</a:t>
+            </a:r>
+            <a:r>
+              <a:rPr lang="en-US" dirty="0"/>
+              <a:t>()/</a:t>
+            </a:r>
+            <a:r>
+              <a:rPr lang="en-US" dirty="0" err="1"/>
+              <a:t>onRestored</a:t>
+            </a:r>
+            <a:r>
+              <a:rPr lang="en-US" dirty="0"/>
+              <a:t>()</a:t>
+            </a:r>
+          </a:p>
+        </p:txBody>
+      </p:sp>
+      <p:sp>
+        <p:nvSpPr>
+          <p:cNvPr id="5" name="Content Placeholder 4">
+            <a:extLst>
+              <a:ext uri="{FF2B5EF4-FFF2-40B4-BE49-F238E27FC236}">
+                <a16:creationId xmlns:a16="http://schemas.microsoft.com/office/drawing/2014/main" id="{D66CCA76-35F7-4A48-9F2E-15A6D1F09830}"/>
+              </a:ext>
+            </a:extLst>
+          </p:cNvPr>
+          <p:cNvSpPr>
+            <a:spLocks noGrp="1"/>
+          </p:cNvSpPr>
+          <p:nvPr>
+            <p:ph idx="1"/>
+          </p:nvPr>
+        </p:nvSpPr>
+        <p:spPr/>
+        <p:txBody>
+          <a:bodyPr/>
+          <a:lstStyle/>
+          <a:p>
+            <a:r>
+              <a:rPr lang="en-US" dirty="0"/>
+              <a:t>Unless you specify something using either of these functions, all inputs stored will restore when loading an app with bookmarking </a:t>
+            </a:r>
+          </a:p>
+          <a:p>
+            <a:r>
+              <a:rPr lang="en-US" dirty="0" err="1"/>
+              <a:t>onRestore</a:t>
+            </a:r>
+            <a:r>
+              <a:rPr lang="en-US" dirty="0"/>
+              <a:t>() can help implement some logic before restoring certain inputs, or save in a list to be used later.</a:t>
+            </a:r>
+          </a:p>
+          <a:p>
+            <a:r>
+              <a:rPr lang="en-US" dirty="0" err="1"/>
+              <a:t>onRestored</a:t>
+            </a:r>
+            <a:r>
+              <a:rPr lang="en-US" dirty="0"/>
+              <a:t>() runs after the application has been restored. Can be used to send update to the user.</a:t>
+            </a:r>
+          </a:p>
+          <a:p>
+            <a:endParaRPr lang="en-US" dirty="0"/>
+          </a:p>
+        </p:txBody>
+      </p:sp>
+    </p:spTree>
+    <p:extLst>
+      <p:ext uri="{BB962C8B-B14F-4D97-AF65-F5344CB8AC3E}">
+        <p14:creationId xmlns:p14="http://schemas.microsoft.com/office/powerpoint/2010/main" val="2360759137"/>
+      </p:ext>
+    </p:extLst>
+  </p:cSld>
+  <p:clrMapOvr>
+    <a:masterClrMapping/>
+  </p:clrMapOvr>
+</p:sld>
+</file>
+
+<file path=ppt/slides/slide9.xml><?xml version="1.0" encoding="utf-8"?>
+<p:sld xmlns:a="http://schemas.openxmlformats.org/drawingml/2006/main" xmlns:r="http://schemas.openxmlformats.org/officeDocument/2006/relationships" xmlns:p="http://schemas.openxmlformats.org/presentationml/2006/main">
+  <p:cSld>
+    <p:spTree>
+      <p:nvGrpSpPr>
+        <p:cNvPr id="1" name=""/>
+        <p:cNvGrpSpPr/>
+        <p:nvPr/>
+      </p:nvGrpSpPr>
+      <p:grpSpPr>
+        <a:xfrm>
+          <a:off x="0" y="0"/>
+          <a:ext cx="0" cy="0"/>
+          <a:chOff x="0" y="0"/>
+          <a:chExt cx="0" cy="0"/>
+        </a:xfrm>
+      </p:grpSpPr>
+      <p:sp>
+        <p:nvSpPr>
+          <p:cNvPr id="2" name="Title 1"/>
+          <p:cNvSpPr>
+            <a:spLocks noGrp="1"/>
+          </p:cNvSpPr>
+          <p:nvPr>
+            <p:ph type="title"/>
+          </p:nvPr>
+        </p:nvSpPr>
+        <p:spPr/>
+        <p:txBody>
+          <a:bodyPr/>
+          <a:lstStyle/>
+          <a:p>
+            <a:r>
+              <a:rPr lang="en-US" dirty="0"/>
+              <a:t>Notifications</a:t>
+            </a:r>
+          </a:p>
+        </p:txBody>
+      </p:sp>
+      <p:sp>
+        <p:nvSpPr>
+          <p:cNvPr id="3" name="Text Placeholder 2"/>
+          <p:cNvSpPr>
+            <a:spLocks noGrp="1"/>
+          </p:cNvSpPr>
+          <p:nvPr>
+            <p:ph type="body" idx="1"/>
+          </p:nvPr>
+        </p:nvSpPr>
+        <p:spPr/>
+        <p:txBody>
+          <a:bodyPr/>
+          <a:lstStyle/>
+          <a:p>
+            <a:endParaRPr lang="en-US"/>
+          </a:p>
+        </p:txBody>
+      </p:sp>
+    </p:spTree>
+    <p:extLst>
+      <p:ext uri="{BB962C8B-B14F-4D97-AF65-F5344CB8AC3E}">
+        <p14:creationId xmlns:p14="http://schemas.microsoft.com/office/powerpoint/2010/main" val="3007398221"/>
       </p:ext>
     </p:extLst>
   </p:cSld>

--- a/Class 6.pptx
+++ b/Class 6.pptx
@@ -6,29 +6,30 @@
   </p:sldMasterIdLst>
   <p:sldIdLst>
     <p:sldId id="311" r:id="rId2"/>
-    <p:sldId id="333" r:id="rId3"/>
-    <p:sldId id="340" r:id="rId4"/>
-    <p:sldId id="317" r:id="rId5"/>
-    <p:sldId id="338" r:id="rId6"/>
-    <p:sldId id="336" r:id="rId7"/>
-    <p:sldId id="330" r:id="rId8"/>
-    <p:sldId id="339" r:id="rId9"/>
-    <p:sldId id="316" r:id="rId10"/>
-    <p:sldId id="334" r:id="rId11"/>
-    <p:sldId id="331" r:id="rId12"/>
-    <p:sldId id="323" r:id="rId13"/>
-    <p:sldId id="329" r:id="rId14"/>
-    <p:sldId id="332" r:id="rId15"/>
-    <p:sldId id="342" r:id="rId16"/>
-    <p:sldId id="343" r:id="rId17"/>
-    <p:sldId id="312" r:id="rId18"/>
-    <p:sldId id="313" r:id="rId19"/>
-    <p:sldId id="314" r:id="rId20"/>
-    <p:sldId id="315" r:id="rId21"/>
-    <p:sldId id="335" r:id="rId22"/>
-    <p:sldId id="344" r:id="rId23"/>
-    <p:sldId id="345" r:id="rId24"/>
-    <p:sldId id="346" r:id="rId25"/>
+    <p:sldId id="347" r:id="rId3"/>
+    <p:sldId id="333" r:id="rId4"/>
+    <p:sldId id="340" r:id="rId5"/>
+    <p:sldId id="317" r:id="rId6"/>
+    <p:sldId id="338" r:id="rId7"/>
+    <p:sldId id="336" r:id="rId8"/>
+    <p:sldId id="330" r:id="rId9"/>
+    <p:sldId id="339" r:id="rId10"/>
+    <p:sldId id="316" r:id="rId11"/>
+    <p:sldId id="334" r:id="rId12"/>
+    <p:sldId id="331" r:id="rId13"/>
+    <p:sldId id="323" r:id="rId14"/>
+    <p:sldId id="329" r:id="rId15"/>
+    <p:sldId id="332" r:id="rId16"/>
+    <p:sldId id="342" r:id="rId17"/>
+    <p:sldId id="343" r:id="rId18"/>
+    <p:sldId id="312" r:id="rId19"/>
+    <p:sldId id="313" r:id="rId20"/>
+    <p:sldId id="314" r:id="rId21"/>
+    <p:sldId id="315" r:id="rId22"/>
+    <p:sldId id="335" r:id="rId23"/>
+    <p:sldId id="344" r:id="rId24"/>
+    <p:sldId id="345" r:id="rId25"/>
+    <p:sldId id="346" r:id="rId26"/>
   </p:sldIdLst>
   <p:sldSz cx="12192000" cy="6858000"/>
   <p:notesSz cx="6858000" cy="9144000"/>
@@ -304,7 +305,7 @@
           <a:p>
             <a:fld id="{DB10E5C9-23B2-4A4E-92AB-29D98A655667}" type="datetimeFigureOut">
               <a:rPr lang="en-US" smtClean="0"/>
-              <a:t>8/23/18</a:t>
+              <a:t>8/31/18</a:t>
             </a:fld>
             <a:endParaRPr lang="en-US"/>
           </a:p>
@@ -634,7 +635,7 @@
           <a:p>
             <a:fld id="{DB10E5C9-23B2-4A4E-92AB-29D98A655667}" type="datetimeFigureOut">
               <a:rPr lang="en-US" smtClean="0"/>
-              <a:t>8/23/18</a:t>
+              <a:t>8/31/18</a:t>
             </a:fld>
             <a:endParaRPr lang="en-US"/>
           </a:p>
@@ -814,7 +815,7 @@
           <a:p>
             <a:fld id="{DB10E5C9-23B2-4A4E-92AB-29D98A655667}" type="datetimeFigureOut">
               <a:rPr lang="en-US" smtClean="0"/>
-              <a:t>8/23/18</a:t>
+              <a:t>8/31/18</a:t>
             </a:fld>
             <a:endParaRPr lang="en-US"/>
           </a:p>
@@ -984,7 +985,7 @@
           <a:p>
             <a:fld id="{DB10E5C9-23B2-4A4E-92AB-29D98A655667}" type="datetimeFigureOut">
               <a:rPr lang="en-US" smtClean="0"/>
-              <a:t>8/23/18</a:t>
+              <a:t>8/31/18</a:t>
             </a:fld>
             <a:endParaRPr lang="en-US"/>
           </a:p>
@@ -1261,7 +1262,7 @@
           <a:p>
             <a:fld id="{DB10E5C9-23B2-4A4E-92AB-29D98A655667}" type="datetimeFigureOut">
               <a:rPr lang="en-US" smtClean="0"/>
-              <a:t>8/23/18</a:t>
+              <a:t>8/31/18</a:t>
             </a:fld>
             <a:endParaRPr lang="en-US"/>
           </a:p>
@@ -1655,7 +1656,7 @@
           <a:p>
             <a:fld id="{DB10E5C9-23B2-4A4E-92AB-29D98A655667}" type="datetimeFigureOut">
               <a:rPr lang="en-US" smtClean="0"/>
-              <a:t>8/23/18</a:t>
+              <a:t>8/31/18</a:t>
             </a:fld>
             <a:endParaRPr lang="en-US"/>
           </a:p>
@@ -2132,7 +2133,7 @@
           <a:p>
             <a:fld id="{DB10E5C9-23B2-4A4E-92AB-29D98A655667}" type="datetimeFigureOut">
               <a:rPr lang="en-US" smtClean="0"/>
-              <a:t>8/23/18</a:t>
+              <a:t>8/31/18</a:t>
             </a:fld>
             <a:endParaRPr lang="en-US"/>
           </a:p>
@@ -2250,7 +2251,7 @@
           <a:p>
             <a:fld id="{DB10E5C9-23B2-4A4E-92AB-29D98A655667}" type="datetimeFigureOut">
               <a:rPr lang="en-US" smtClean="0"/>
-              <a:t>8/23/18</a:t>
+              <a:t>8/31/18</a:t>
             </a:fld>
             <a:endParaRPr lang="en-US"/>
           </a:p>
@@ -2345,7 +2346,7 @@
           <a:p>
             <a:fld id="{DB10E5C9-23B2-4A4E-92AB-29D98A655667}" type="datetimeFigureOut">
               <a:rPr lang="en-US" smtClean="0"/>
-              <a:t>8/23/18</a:t>
+              <a:t>8/31/18</a:t>
             </a:fld>
             <a:endParaRPr lang="en-US"/>
           </a:p>
@@ -2691,7 +2692,7 @@
           <a:p>
             <a:fld id="{DB10E5C9-23B2-4A4E-92AB-29D98A655667}" type="datetimeFigureOut">
               <a:rPr lang="en-US" smtClean="0"/>
-              <a:t>8/23/18</a:t>
+              <a:t>8/31/18</a:t>
             </a:fld>
             <a:endParaRPr lang="en-US"/>
           </a:p>
@@ -3079,7 +3080,7 @@
           <a:p>
             <a:fld id="{DB10E5C9-23B2-4A4E-92AB-29D98A655667}" type="datetimeFigureOut">
               <a:rPr lang="en-US" smtClean="0"/>
-              <a:t>8/23/18</a:t>
+              <a:t>8/31/18</a:t>
             </a:fld>
             <a:endParaRPr lang="en-US"/>
           </a:p>
@@ -3357,7 +3358,7 @@
           <a:p>
             <a:fld id="{DB10E5C9-23B2-4A4E-92AB-29D98A655667}" type="datetimeFigureOut">
               <a:rPr lang="en-US" smtClean="0"/>
-              <a:t>8/23/18</a:t>
+              <a:t>8/31/18</a:t>
             </a:fld>
             <a:endParaRPr lang="en-US"/>
           </a:p>
@@ -3942,6 +3943,77 @@
       </p:grpSpPr>
       <p:sp>
         <p:nvSpPr>
+          <p:cNvPr id="2" name="Title 1"/>
+          <p:cNvSpPr>
+            <a:spLocks noGrp="1"/>
+          </p:cNvSpPr>
+          <p:nvPr>
+            <p:ph type="title"/>
+          </p:nvPr>
+        </p:nvSpPr>
+        <p:spPr/>
+        <p:txBody>
+          <a:bodyPr/>
+          <a:lstStyle/>
+          <a:p>
+            <a:r>
+              <a:rPr lang="en-US" dirty="0"/>
+              <a:t>Notifications</a:t>
+            </a:r>
+          </a:p>
+        </p:txBody>
+      </p:sp>
+      <p:sp>
+        <p:nvSpPr>
+          <p:cNvPr id="3" name="Text Placeholder 2"/>
+          <p:cNvSpPr>
+            <a:spLocks noGrp="1"/>
+          </p:cNvSpPr>
+          <p:nvPr>
+            <p:ph type="body" idx="1"/>
+          </p:nvPr>
+        </p:nvSpPr>
+        <p:spPr/>
+        <p:txBody>
+          <a:bodyPr/>
+          <a:lstStyle/>
+          <a:p>
+            <a:endParaRPr lang="en-US"/>
+          </a:p>
+        </p:txBody>
+      </p:sp>
+    </p:spTree>
+    <p:extLst>
+      <p:ext uri="{BB962C8B-B14F-4D97-AF65-F5344CB8AC3E}">
+        <p14:creationId xmlns:p14="http://schemas.microsoft.com/office/powerpoint/2010/main" val="3007398221"/>
+      </p:ext>
+    </p:extLst>
+  </p:cSld>
+  <p:clrMapOvr>
+    <a:masterClrMapping/>
+  </p:clrMapOvr>
+</p:sld>
+</file>
+
+<file path=ppt/slides/slide11.xml><?xml version="1.0" encoding="utf-8"?>
+<p:sld xmlns:a="http://schemas.openxmlformats.org/drawingml/2006/main" xmlns:r="http://schemas.openxmlformats.org/officeDocument/2006/relationships" xmlns:p="http://schemas.openxmlformats.org/presentationml/2006/main">
+  <p:cSld>
+    <p:spTree>
+      <p:nvGrpSpPr>
+        <p:cNvPr id="1" name=""/>
+        <p:cNvGrpSpPr/>
+        <p:nvPr/>
+      </p:nvGrpSpPr>
+      <p:grpSpPr>
+        <a:xfrm>
+          <a:off x="0" y="0"/>
+          <a:ext cx="0" cy="0"/>
+          <a:chOff x="0" y="0"/>
+          <a:chExt cx="0" cy="0"/>
+        </a:xfrm>
+      </p:grpSpPr>
+      <p:sp>
+        <p:nvSpPr>
           <p:cNvPr id="4" name="Title 3">
             <a:extLst>
               <a:ext uri="{FF2B5EF4-FFF2-40B4-BE49-F238E27FC236}">
@@ -4049,7 +4121,7 @@
 </p:sld>
 </file>
 
-<file path=ppt/slides/slide11.xml><?xml version="1.0" encoding="utf-8"?>
+<file path=ppt/slides/slide12.xml><?xml version="1.0" encoding="utf-8"?>
 <p:sld xmlns:a="http://schemas.openxmlformats.org/drawingml/2006/main" xmlns:r="http://schemas.openxmlformats.org/officeDocument/2006/relationships" xmlns:p="http://schemas.openxmlformats.org/presentationml/2006/main">
   <p:cSld>
     <p:spTree>
@@ -4244,7 +4316,7 @@
 </p:sld>
 </file>
 
-<file path=ppt/slides/slide12.xml><?xml version="1.0" encoding="utf-8"?>
+<file path=ppt/slides/slide13.xml><?xml version="1.0" encoding="utf-8"?>
 <p:sld xmlns:a="http://schemas.openxmlformats.org/drawingml/2006/main" xmlns:r="http://schemas.openxmlformats.org/officeDocument/2006/relationships" xmlns:p="http://schemas.openxmlformats.org/presentationml/2006/main">
   <p:cSld>
     <p:spTree>
@@ -4315,7 +4387,7 @@
 </p:sld>
 </file>
 
-<file path=ppt/slides/slide13.xml><?xml version="1.0" encoding="utf-8"?>
+<file path=ppt/slides/slide14.xml><?xml version="1.0" encoding="utf-8"?>
 <p:sld xmlns:a="http://schemas.openxmlformats.org/drawingml/2006/main" xmlns:r="http://schemas.openxmlformats.org/officeDocument/2006/relationships" xmlns:p="http://schemas.openxmlformats.org/presentationml/2006/main">
   <p:cSld>
     <p:spTree>
@@ -4391,7 +4463,7 @@
 </p:sld>
 </file>
 
-<file path=ppt/slides/slide14.xml><?xml version="1.0" encoding="utf-8"?>
+<file path=ppt/slides/slide15.xml><?xml version="1.0" encoding="utf-8"?>
 <p:sld xmlns:a="http://schemas.openxmlformats.org/drawingml/2006/main" xmlns:r="http://schemas.openxmlformats.org/officeDocument/2006/relationships" xmlns:p="http://schemas.openxmlformats.org/presentationml/2006/main">
   <p:cSld>
     <p:spTree>
@@ -4462,7 +4534,7 @@
 </p:sld>
 </file>
 
-<file path=ppt/slides/slide15.xml><?xml version="1.0" encoding="utf-8"?>
+<file path=ppt/slides/slide16.xml><?xml version="1.0" encoding="utf-8"?>
 <p:sld xmlns:a="http://schemas.openxmlformats.org/drawingml/2006/main" xmlns:r="http://schemas.openxmlformats.org/officeDocument/2006/relationships" xmlns:p="http://schemas.openxmlformats.org/presentationml/2006/main">
   <p:cSld>
     <p:spTree>
@@ -4641,7 +4713,7 @@
 </p:sld>
 </file>
 
-<file path=ppt/slides/slide16.xml><?xml version="1.0" encoding="utf-8"?>
+<file path=ppt/slides/slide17.xml><?xml version="1.0" encoding="utf-8"?>
 <p:sld xmlns:a="http://schemas.openxmlformats.org/drawingml/2006/main" xmlns:r="http://schemas.openxmlformats.org/officeDocument/2006/relationships" xmlns:p="http://schemas.openxmlformats.org/presentationml/2006/main">
   <p:cSld>
     <p:spTree>
@@ -4820,77 +4892,6 @@
 </p:sld>
 </file>
 
-<file path=ppt/slides/slide17.xml><?xml version="1.0" encoding="utf-8"?>
-<p:sld xmlns:a="http://schemas.openxmlformats.org/drawingml/2006/main" xmlns:r="http://schemas.openxmlformats.org/officeDocument/2006/relationships" xmlns:p="http://schemas.openxmlformats.org/presentationml/2006/main">
-  <p:cSld>
-    <p:spTree>
-      <p:nvGrpSpPr>
-        <p:cNvPr id="1" name=""/>
-        <p:cNvGrpSpPr/>
-        <p:nvPr/>
-      </p:nvGrpSpPr>
-      <p:grpSpPr>
-        <a:xfrm>
-          <a:off x="0" y="0"/>
-          <a:ext cx="0" cy="0"/>
-          <a:chOff x="0" y="0"/>
-          <a:chExt cx="0" cy="0"/>
-        </a:xfrm>
-      </p:grpSpPr>
-      <p:sp>
-        <p:nvSpPr>
-          <p:cNvPr id="2" name="Title 1"/>
-          <p:cNvSpPr>
-            <a:spLocks noGrp="1"/>
-          </p:cNvSpPr>
-          <p:nvPr>
-            <p:ph type="title"/>
-          </p:nvPr>
-        </p:nvSpPr>
-        <p:spPr/>
-        <p:txBody>
-          <a:bodyPr/>
-          <a:lstStyle/>
-          <a:p>
-            <a:r>
-              <a:rPr lang="en-US" dirty="0"/>
-              <a:t>Updates</a:t>
-            </a:r>
-          </a:p>
-        </p:txBody>
-      </p:sp>
-      <p:sp>
-        <p:nvSpPr>
-          <p:cNvPr id="3" name="Text Placeholder 2"/>
-          <p:cNvSpPr>
-            <a:spLocks noGrp="1"/>
-          </p:cNvSpPr>
-          <p:nvPr>
-            <p:ph type="body" idx="1"/>
-          </p:nvPr>
-        </p:nvSpPr>
-        <p:spPr/>
-        <p:txBody>
-          <a:bodyPr/>
-          <a:lstStyle/>
-          <a:p>
-            <a:endParaRPr lang="en-US"/>
-          </a:p>
-        </p:txBody>
-      </p:sp>
-    </p:spTree>
-    <p:extLst>
-      <p:ext uri="{BB962C8B-B14F-4D97-AF65-F5344CB8AC3E}">
-        <p14:creationId xmlns:p14="http://schemas.microsoft.com/office/powerpoint/2010/main" val="2275729295"/>
-      </p:ext>
-    </p:extLst>
-  </p:cSld>
-  <p:clrMapOvr>
-    <a:masterClrMapping/>
-  </p:clrMapOvr>
-</p:sld>
-</file>
-
 <file path=ppt/slides/slide18.xml><?xml version="1.0" encoding="utf-8"?>
 <p:sld xmlns:a="http://schemas.openxmlformats.org/drawingml/2006/main" xmlns:r="http://schemas.openxmlformats.org/officeDocument/2006/relationships" xmlns:p="http://schemas.openxmlformats.org/presentationml/2006/main">
   <p:cSld>
@@ -4910,6 +4911,77 @@
       </p:grpSpPr>
       <p:sp>
         <p:nvSpPr>
+          <p:cNvPr id="2" name="Title 1"/>
+          <p:cNvSpPr>
+            <a:spLocks noGrp="1"/>
+          </p:cNvSpPr>
+          <p:nvPr>
+            <p:ph type="title"/>
+          </p:nvPr>
+        </p:nvSpPr>
+        <p:spPr/>
+        <p:txBody>
+          <a:bodyPr/>
+          <a:lstStyle/>
+          <a:p>
+            <a:r>
+              <a:rPr lang="en-US" dirty="0"/>
+              <a:t>Updates</a:t>
+            </a:r>
+          </a:p>
+        </p:txBody>
+      </p:sp>
+      <p:sp>
+        <p:nvSpPr>
+          <p:cNvPr id="3" name="Text Placeholder 2"/>
+          <p:cNvSpPr>
+            <a:spLocks noGrp="1"/>
+          </p:cNvSpPr>
+          <p:nvPr>
+            <p:ph type="body" idx="1"/>
+          </p:nvPr>
+        </p:nvSpPr>
+        <p:spPr/>
+        <p:txBody>
+          <a:bodyPr/>
+          <a:lstStyle/>
+          <a:p>
+            <a:endParaRPr lang="en-US"/>
+          </a:p>
+        </p:txBody>
+      </p:sp>
+    </p:spTree>
+    <p:extLst>
+      <p:ext uri="{BB962C8B-B14F-4D97-AF65-F5344CB8AC3E}">
+        <p14:creationId xmlns:p14="http://schemas.microsoft.com/office/powerpoint/2010/main" val="2275729295"/>
+      </p:ext>
+    </p:extLst>
+  </p:cSld>
+  <p:clrMapOvr>
+    <a:masterClrMapping/>
+  </p:clrMapOvr>
+</p:sld>
+</file>
+
+<file path=ppt/slides/slide19.xml><?xml version="1.0" encoding="utf-8"?>
+<p:sld xmlns:a="http://schemas.openxmlformats.org/drawingml/2006/main" xmlns:r="http://schemas.openxmlformats.org/officeDocument/2006/relationships" xmlns:p="http://schemas.openxmlformats.org/presentationml/2006/main">
+  <p:cSld>
+    <p:spTree>
+      <p:nvGrpSpPr>
+        <p:cNvPr id="1" name=""/>
+        <p:cNvGrpSpPr/>
+        <p:nvPr/>
+      </p:nvGrpSpPr>
+      <p:grpSpPr>
+        <a:xfrm>
+          <a:off x="0" y="0"/>
+          <a:ext cx="0" cy="0"/>
+          <a:chOff x="0" y="0"/>
+          <a:chExt cx="0" cy="0"/>
+        </a:xfrm>
+      </p:grpSpPr>
+      <p:sp>
+        <p:nvSpPr>
           <p:cNvPr id="4" name="Title 3"/>
           <p:cNvSpPr>
             <a:spLocks noGrp="1"/>
@@ -5009,7 +5081,123 @@
 </p:sld>
 </file>
 
-<file path=ppt/slides/slide19.xml><?xml version="1.0" encoding="utf-8"?>
+<file path=ppt/slides/slide2.xml><?xml version="1.0" encoding="utf-8"?>
+<p:sld xmlns:a="http://schemas.openxmlformats.org/drawingml/2006/main" xmlns:r="http://schemas.openxmlformats.org/officeDocument/2006/relationships" xmlns:p="http://schemas.openxmlformats.org/presentationml/2006/main">
+  <p:cSld>
+    <p:spTree>
+      <p:nvGrpSpPr>
+        <p:cNvPr id="1" name=""/>
+        <p:cNvGrpSpPr/>
+        <p:nvPr/>
+      </p:nvGrpSpPr>
+      <p:grpSpPr>
+        <a:xfrm>
+          <a:off x="0" y="0"/>
+          <a:ext cx="0" cy="0"/>
+          <a:chOff x="0" y="0"/>
+          <a:chExt cx="0" cy="0"/>
+        </a:xfrm>
+      </p:grpSpPr>
+      <p:sp>
+        <p:nvSpPr>
+          <p:cNvPr id="2" name="Title 1">
+            <a:extLst>
+              <a:ext uri="{FF2B5EF4-FFF2-40B4-BE49-F238E27FC236}">
+                <a16:creationId xmlns:a16="http://schemas.microsoft.com/office/drawing/2014/main" id="{EE6F8B8E-83BD-A84E-A575-7085AD8D1F48}"/>
+              </a:ext>
+            </a:extLst>
+          </p:cNvPr>
+          <p:cNvSpPr>
+            <a:spLocks noGrp="1"/>
+          </p:cNvSpPr>
+          <p:nvPr>
+            <p:ph type="title"/>
+          </p:nvPr>
+        </p:nvSpPr>
+        <p:spPr/>
+        <p:txBody>
+          <a:bodyPr/>
+          <a:lstStyle/>
+          <a:p>
+            <a:r>
+              <a:rPr lang="en-US" dirty="0"/>
+              <a:t>Agenda</a:t>
+            </a:r>
+          </a:p>
+        </p:txBody>
+      </p:sp>
+      <p:sp>
+        <p:nvSpPr>
+          <p:cNvPr id="3" name="Content Placeholder 2">
+            <a:extLst>
+              <a:ext uri="{FF2B5EF4-FFF2-40B4-BE49-F238E27FC236}">
+                <a16:creationId xmlns:a16="http://schemas.microsoft.com/office/drawing/2014/main" id="{0372C9DE-B1A0-6945-AA30-4B3AF20BC97B}"/>
+              </a:ext>
+            </a:extLst>
+          </p:cNvPr>
+          <p:cNvSpPr>
+            <a:spLocks noGrp="1"/>
+          </p:cNvSpPr>
+          <p:nvPr>
+            <p:ph idx="1"/>
+          </p:nvPr>
+        </p:nvSpPr>
+        <p:spPr/>
+        <p:txBody>
+          <a:bodyPr/>
+          <a:lstStyle/>
+          <a:p>
+            <a:r>
+              <a:rPr lang="en-US" dirty="0"/>
+              <a:t>Download Handler</a:t>
+            </a:r>
+          </a:p>
+          <a:p>
+            <a:r>
+              <a:rPr lang="en-US" dirty="0"/>
+              <a:t>Bookmarking</a:t>
+            </a:r>
+          </a:p>
+          <a:p>
+            <a:r>
+              <a:rPr lang="en-US" dirty="0"/>
+              <a:t>Notifications</a:t>
+            </a:r>
+          </a:p>
+          <a:p>
+            <a:r>
+              <a:rPr lang="en-US" dirty="0"/>
+              <a:t>Progress Bar</a:t>
+            </a:r>
+          </a:p>
+          <a:p>
+            <a:r>
+              <a:rPr lang="en-US" dirty="0"/>
+              <a:t>Values List</a:t>
+            </a:r>
+          </a:p>
+          <a:p>
+            <a:r>
+              <a:rPr lang="en-US" dirty="0"/>
+              <a:t>Updates/Observers</a:t>
+            </a:r>
+          </a:p>
+        </p:txBody>
+      </p:sp>
+    </p:spTree>
+    <p:extLst>
+      <p:ext uri="{BB962C8B-B14F-4D97-AF65-F5344CB8AC3E}">
+        <p14:creationId xmlns:p14="http://schemas.microsoft.com/office/powerpoint/2010/main" val="1120820487"/>
+      </p:ext>
+    </p:extLst>
+  </p:cSld>
+  <p:clrMapOvr>
+    <a:masterClrMapping/>
+  </p:clrMapOvr>
+</p:sld>
+</file>
+
+<file path=ppt/slides/slide20.xml><?xml version="1.0" encoding="utf-8"?>
 <p:sld xmlns:a="http://schemas.openxmlformats.org/drawingml/2006/main" xmlns:r="http://schemas.openxmlformats.org/officeDocument/2006/relationships" xmlns:p="http://schemas.openxmlformats.org/presentationml/2006/main">
   <p:cSld>
     <p:spTree>
@@ -5071,78 +5259,7 @@
 </p:sld>
 </file>
 
-<file path=ppt/slides/slide2.xml><?xml version="1.0" encoding="utf-8"?>
-<p:sld xmlns:a="http://schemas.openxmlformats.org/drawingml/2006/main" xmlns:r="http://schemas.openxmlformats.org/officeDocument/2006/relationships" xmlns:p="http://schemas.openxmlformats.org/presentationml/2006/main">
-  <p:cSld>
-    <p:spTree>
-      <p:nvGrpSpPr>
-        <p:cNvPr id="1" name=""/>
-        <p:cNvGrpSpPr/>
-        <p:nvPr/>
-      </p:nvGrpSpPr>
-      <p:grpSpPr>
-        <a:xfrm>
-          <a:off x="0" y="0"/>
-          <a:ext cx="0" cy="0"/>
-          <a:chOff x="0" y="0"/>
-          <a:chExt cx="0" cy="0"/>
-        </a:xfrm>
-      </p:grpSpPr>
-      <p:sp>
-        <p:nvSpPr>
-          <p:cNvPr id="2" name="Title 1"/>
-          <p:cNvSpPr>
-            <a:spLocks noGrp="1"/>
-          </p:cNvSpPr>
-          <p:nvPr>
-            <p:ph type="title"/>
-          </p:nvPr>
-        </p:nvSpPr>
-        <p:spPr/>
-        <p:txBody>
-          <a:bodyPr/>
-          <a:lstStyle/>
-          <a:p>
-            <a:r>
-              <a:rPr lang="en-US" dirty="0"/>
-              <a:t>Download Handler</a:t>
-            </a:r>
-          </a:p>
-        </p:txBody>
-      </p:sp>
-      <p:sp>
-        <p:nvSpPr>
-          <p:cNvPr id="3" name="Text Placeholder 2"/>
-          <p:cNvSpPr>
-            <a:spLocks noGrp="1"/>
-          </p:cNvSpPr>
-          <p:nvPr>
-            <p:ph type="body" idx="1"/>
-          </p:nvPr>
-        </p:nvSpPr>
-        <p:spPr/>
-        <p:txBody>
-          <a:bodyPr/>
-          <a:lstStyle/>
-          <a:p>
-            <a:endParaRPr lang="en-US"/>
-          </a:p>
-        </p:txBody>
-      </p:sp>
-    </p:spTree>
-    <p:extLst>
-      <p:ext uri="{BB962C8B-B14F-4D97-AF65-F5344CB8AC3E}">
-        <p14:creationId xmlns:p14="http://schemas.microsoft.com/office/powerpoint/2010/main" val="2740599091"/>
-      </p:ext>
-    </p:extLst>
-  </p:cSld>
-  <p:clrMapOvr>
-    <a:masterClrMapping/>
-  </p:clrMapOvr>
-</p:sld>
-</file>
-
-<file path=ppt/slides/slide20.xml><?xml version="1.0" encoding="utf-8"?>
+<file path=ppt/slides/slide21.xml><?xml version="1.0" encoding="utf-8"?>
 <p:sld xmlns:a="http://schemas.openxmlformats.org/drawingml/2006/main" xmlns:r="http://schemas.openxmlformats.org/officeDocument/2006/relationships" xmlns:p="http://schemas.openxmlformats.org/presentationml/2006/main">
   <p:cSld>
     <p:spTree>
@@ -5262,84 +5379,6 @@
 </p:sld>
 </file>
 
-<file path=ppt/slides/slide21.xml><?xml version="1.0" encoding="utf-8"?>
-<p:sld xmlns:a="http://schemas.openxmlformats.org/drawingml/2006/main" xmlns:r="http://schemas.openxmlformats.org/officeDocument/2006/relationships" xmlns:p="http://schemas.openxmlformats.org/presentationml/2006/main">
-  <p:cSld>
-    <p:spTree>
-      <p:nvGrpSpPr>
-        <p:cNvPr id="1" name=""/>
-        <p:cNvGrpSpPr/>
-        <p:nvPr/>
-      </p:nvGrpSpPr>
-      <p:grpSpPr>
-        <a:xfrm>
-          <a:off x="0" y="0"/>
-          <a:ext cx="0" cy="0"/>
-          <a:chOff x="0" y="0"/>
-          <a:chExt cx="0" cy="0"/>
-        </a:xfrm>
-      </p:grpSpPr>
-      <p:sp>
-        <p:nvSpPr>
-          <p:cNvPr id="2" name="Title 1"/>
-          <p:cNvSpPr>
-            <a:spLocks noGrp="1"/>
-          </p:cNvSpPr>
-          <p:nvPr>
-            <p:ph type="title"/>
-          </p:nvPr>
-        </p:nvSpPr>
-        <p:spPr/>
-        <p:txBody>
-          <a:bodyPr>
-            <a:normAutofit fontScale="90000"/>
-          </a:bodyPr>
-          <a:lstStyle/>
-          <a:p>
-            <a:r>
-              <a:rPr lang="en-US" dirty="0"/>
-              <a:t>Expanding Observers with </a:t>
-            </a:r>
-            <a:r>
-              <a:rPr lang="en-US" dirty="0" err="1"/>
-              <a:t>ShinyJS</a:t>
-            </a:r>
-            <a:endParaRPr lang="en-US" dirty="0"/>
-          </a:p>
-        </p:txBody>
-      </p:sp>
-      <p:sp>
-        <p:nvSpPr>
-          <p:cNvPr id="3" name="Text Placeholder 2"/>
-          <p:cNvSpPr>
-            <a:spLocks noGrp="1"/>
-          </p:cNvSpPr>
-          <p:nvPr>
-            <p:ph type="body" idx="1"/>
-          </p:nvPr>
-        </p:nvSpPr>
-        <p:spPr/>
-        <p:txBody>
-          <a:bodyPr/>
-          <a:lstStyle/>
-          <a:p>
-            <a:endParaRPr lang="en-US" dirty="0"/>
-          </a:p>
-        </p:txBody>
-      </p:sp>
-    </p:spTree>
-    <p:extLst>
-      <p:ext uri="{BB962C8B-B14F-4D97-AF65-F5344CB8AC3E}">
-        <p14:creationId xmlns:p14="http://schemas.microsoft.com/office/powerpoint/2010/main" val="1342598017"/>
-      </p:ext>
-    </p:extLst>
-  </p:cSld>
-  <p:clrMapOvr>
-    <a:masterClrMapping/>
-  </p:clrMapOvr>
-</p:sld>
-</file>
-
 <file path=ppt/slides/slide22.xml><?xml version="1.0" encoding="utf-8"?>
 <p:sld xmlns:a="http://schemas.openxmlformats.org/drawingml/2006/main" xmlns:r="http://schemas.openxmlformats.org/officeDocument/2006/relationships" xmlns:p="http://schemas.openxmlformats.org/presentationml/2006/main">
   <p:cSld>
@@ -5359,13 +5398,7 @@
       </p:grpSpPr>
       <p:sp>
         <p:nvSpPr>
-          <p:cNvPr id="4" name="Title 3">
-            <a:extLst>
-              <a:ext uri="{FF2B5EF4-FFF2-40B4-BE49-F238E27FC236}">
-                <a16:creationId xmlns:a16="http://schemas.microsoft.com/office/drawing/2014/main" id="{5AAF5B52-A2A0-494A-BD28-BF5C60BC810A}"/>
-              </a:ext>
-            </a:extLst>
-          </p:cNvPr>
+          <p:cNvPr id="2" name="Title 1"/>
           <p:cNvSpPr>
             <a:spLocks noGrp="1"/>
           </p:cNvSpPr>
@@ -5375,105 +5408,37 @@
         </p:nvSpPr>
         <p:spPr/>
         <p:txBody>
-          <a:bodyPr/>
-          <a:lstStyle/>
-          <a:p>
-            <a:r>
-              <a:rPr lang="en-US" dirty="0"/>
-              <a:t>What is </a:t>
+          <a:bodyPr>
+            <a:normAutofit fontScale="90000"/>
+          </a:bodyPr>
+          <a:lstStyle/>
+          <a:p>
+            <a:r>
+              <a:rPr lang="en-US" dirty="0"/>
+              <a:t>Expanding Observers with </a:t>
             </a:r>
             <a:r>
               <a:rPr lang="en-US" dirty="0" err="1"/>
-              <a:t>shinyjs</a:t>
-            </a:r>
-            <a:r>
-              <a:rPr lang="en-US" dirty="0"/>
-              <a:t>?</a:t>
-            </a:r>
-          </a:p>
-        </p:txBody>
-      </p:sp>
-      <p:sp>
-        <p:nvSpPr>
-          <p:cNvPr id="7" name="Content Placeholder 6">
-            <a:extLst>
-              <a:ext uri="{FF2B5EF4-FFF2-40B4-BE49-F238E27FC236}">
-                <a16:creationId xmlns:a16="http://schemas.microsoft.com/office/drawing/2014/main" id="{CF578512-3266-E942-A3F3-87322E6B81AE}"/>
-              </a:ext>
-            </a:extLst>
-          </p:cNvPr>
-          <p:cNvSpPr>
-            <a:spLocks noGrp="1"/>
-          </p:cNvSpPr>
-          <p:nvPr>
-            <p:ph idx="1"/>
-          </p:nvPr>
-        </p:nvSpPr>
-        <p:spPr>
-          <a:xfrm>
-            <a:off x="1371600" y="2286000"/>
-            <a:ext cx="9601200" cy="2749138"/>
-          </a:xfrm>
-        </p:spPr>
-        <p:txBody>
-          <a:bodyPr/>
-          <a:lstStyle/>
-          <a:p>
-            <a:pPr marL="0" indent="0">
-              <a:buNone/>
-            </a:pPr>
-            <a:r>
-              <a:rPr lang="en-US" dirty="0"/>
-              <a:t>“</a:t>
-            </a:r>
-            <a:r>
-              <a:rPr lang="en-US" dirty="0" err="1"/>
-              <a:t>shinyjs</a:t>
-            </a:r>
-            <a:r>
-              <a:rPr lang="en-US" dirty="0"/>
-              <a:t> lets you perform common useful JavaScript operations in Shiny apps that will greatly improve your apps without having to know any JavaScript. </a:t>
-            </a:r>
-            <a:br>
-              <a:rPr lang="en-US" dirty="0"/>
-            </a:br>
-            <a:br>
-              <a:rPr lang="en-US" dirty="0"/>
-            </a:br>
-            <a:r>
-              <a:rPr lang="en-US" dirty="0"/>
-              <a:t>Examples include: hiding an element, disabling an input, resetting an input back to its original value, delaying code execution by a few seconds, and many more useful functions for both the end user and the developer. </a:t>
-            </a:r>
-            <a:r>
-              <a:rPr lang="en-US" dirty="0" err="1"/>
-              <a:t>shinyjs</a:t>
-            </a:r>
-            <a:r>
-              <a:rPr lang="en-US" dirty="0"/>
-              <a:t> can also be used to easily call your own custom JavaScript functions from R.”</a:t>
-            </a:r>
-          </a:p>
-          <a:p>
-            <a:r>
-              <a:rPr lang="en-US" dirty="0"/>
-              <a:t>From </a:t>
-            </a:r>
-            <a:r>
-              <a:rPr lang="en-US" dirty="0" err="1"/>
-              <a:t>github</a:t>
-            </a:r>
-            <a:r>
-              <a:rPr lang="en-US" dirty="0"/>
-              <a:t> page: </a:t>
-            </a:r>
-            <a:r>
-              <a:rPr lang="en-US" dirty="0">
-                <a:hlinkClick r:id="rId2"/>
-              </a:rPr>
-              <a:t>https://github.com/daattali/shinyjs</a:t>
+              <a:t>ShinyJS</a:t>
             </a:r>
             <a:endParaRPr lang="en-US" dirty="0"/>
           </a:p>
+        </p:txBody>
+      </p:sp>
+      <p:sp>
+        <p:nvSpPr>
+          <p:cNvPr id="3" name="Text Placeholder 2"/>
+          <p:cNvSpPr>
+            <a:spLocks noGrp="1"/>
+          </p:cNvSpPr>
+          <p:nvPr>
+            <p:ph type="body" idx="1"/>
+          </p:nvPr>
+        </p:nvSpPr>
+        <p:spPr/>
+        <p:txBody>
+          <a:bodyPr/>
+          <a:lstStyle/>
           <a:p>
             <a:endParaRPr lang="en-US" dirty="0"/>
           </a:p>
@@ -5482,7 +5447,7 @@
     </p:spTree>
     <p:extLst>
       <p:ext uri="{BB962C8B-B14F-4D97-AF65-F5344CB8AC3E}">
-        <p14:creationId xmlns:p14="http://schemas.microsoft.com/office/powerpoint/2010/main" val="3978341727"/>
+        <p14:creationId xmlns:p14="http://schemas.microsoft.com/office/powerpoint/2010/main" val="1342598017"/>
       </p:ext>
     </p:extLst>
   </p:cSld>
@@ -5511,6 +5476,158 @@
       </p:grpSpPr>
       <p:sp>
         <p:nvSpPr>
+          <p:cNvPr id="4" name="Title 3">
+            <a:extLst>
+              <a:ext uri="{FF2B5EF4-FFF2-40B4-BE49-F238E27FC236}">
+                <a16:creationId xmlns:a16="http://schemas.microsoft.com/office/drawing/2014/main" id="{5AAF5B52-A2A0-494A-BD28-BF5C60BC810A}"/>
+              </a:ext>
+            </a:extLst>
+          </p:cNvPr>
+          <p:cNvSpPr>
+            <a:spLocks noGrp="1"/>
+          </p:cNvSpPr>
+          <p:nvPr>
+            <p:ph type="title"/>
+          </p:nvPr>
+        </p:nvSpPr>
+        <p:spPr/>
+        <p:txBody>
+          <a:bodyPr/>
+          <a:lstStyle/>
+          <a:p>
+            <a:r>
+              <a:rPr lang="en-US" dirty="0"/>
+              <a:t>What is </a:t>
+            </a:r>
+            <a:r>
+              <a:rPr lang="en-US" dirty="0" err="1"/>
+              <a:t>shinyjs</a:t>
+            </a:r>
+            <a:r>
+              <a:rPr lang="en-US" dirty="0"/>
+              <a:t>?</a:t>
+            </a:r>
+          </a:p>
+        </p:txBody>
+      </p:sp>
+      <p:sp>
+        <p:nvSpPr>
+          <p:cNvPr id="7" name="Content Placeholder 6">
+            <a:extLst>
+              <a:ext uri="{FF2B5EF4-FFF2-40B4-BE49-F238E27FC236}">
+                <a16:creationId xmlns:a16="http://schemas.microsoft.com/office/drawing/2014/main" id="{CF578512-3266-E942-A3F3-87322E6B81AE}"/>
+              </a:ext>
+            </a:extLst>
+          </p:cNvPr>
+          <p:cNvSpPr>
+            <a:spLocks noGrp="1"/>
+          </p:cNvSpPr>
+          <p:nvPr>
+            <p:ph idx="1"/>
+          </p:nvPr>
+        </p:nvSpPr>
+        <p:spPr>
+          <a:xfrm>
+            <a:off x="1371600" y="2286000"/>
+            <a:ext cx="9601200" cy="2749138"/>
+          </a:xfrm>
+        </p:spPr>
+        <p:txBody>
+          <a:bodyPr/>
+          <a:lstStyle/>
+          <a:p>
+            <a:pPr marL="0" indent="0">
+              <a:buNone/>
+            </a:pPr>
+            <a:r>
+              <a:rPr lang="en-US" dirty="0"/>
+              <a:t>“</a:t>
+            </a:r>
+            <a:r>
+              <a:rPr lang="en-US" dirty="0" err="1"/>
+              <a:t>shinyjs</a:t>
+            </a:r>
+            <a:r>
+              <a:rPr lang="en-US" dirty="0"/>
+              <a:t> lets you perform common useful JavaScript operations in Shiny apps that will greatly improve your apps without having to know any JavaScript. </a:t>
+            </a:r>
+            <a:br>
+              <a:rPr lang="en-US" dirty="0"/>
+            </a:br>
+            <a:br>
+              <a:rPr lang="en-US" dirty="0"/>
+            </a:br>
+            <a:r>
+              <a:rPr lang="en-US" dirty="0"/>
+              <a:t>Examples include: hiding an element, disabling an input, resetting an input back to its original value, delaying code execution by a few seconds, and many more useful functions for both the end user and the developer. </a:t>
+            </a:r>
+            <a:r>
+              <a:rPr lang="en-US" dirty="0" err="1"/>
+              <a:t>shinyjs</a:t>
+            </a:r>
+            <a:r>
+              <a:rPr lang="en-US" dirty="0"/>
+              <a:t> can also be used to easily call your own custom JavaScript functions from R.”</a:t>
+            </a:r>
+          </a:p>
+          <a:p>
+            <a:r>
+              <a:rPr lang="en-US" dirty="0"/>
+              <a:t>From </a:t>
+            </a:r>
+            <a:r>
+              <a:rPr lang="en-US" dirty="0" err="1"/>
+              <a:t>github</a:t>
+            </a:r>
+            <a:r>
+              <a:rPr lang="en-US" dirty="0"/>
+              <a:t> page: </a:t>
+            </a:r>
+            <a:r>
+              <a:rPr lang="en-US" dirty="0">
+                <a:hlinkClick r:id="rId2"/>
+              </a:rPr>
+              <a:t>https://github.com/daattali/shinyjs</a:t>
+            </a:r>
+            <a:endParaRPr lang="en-US" dirty="0"/>
+          </a:p>
+          <a:p>
+            <a:endParaRPr lang="en-US" dirty="0"/>
+          </a:p>
+        </p:txBody>
+      </p:sp>
+    </p:spTree>
+    <p:extLst>
+      <p:ext uri="{BB962C8B-B14F-4D97-AF65-F5344CB8AC3E}">
+        <p14:creationId xmlns:p14="http://schemas.microsoft.com/office/powerpoint/2010/main" val="3978341727"/>
+      </p:ext>
+    </p:extLst>
+  </p:cSld>
+  <p:clrMapOvr>
+    <a:masterClrMapping/>
+  </p:clrMapOvr>
+</p:sld>
+</file>
+
+<file path=ppt/slides/slide24.xml><?xml version="1.0" encoding="utf-8"?>
+<p:sld xmlns:a="http://schemas.openxmlformats.org/drawingml/2006/main" xmlns:r="http://schemas.openxmlformats.org/officeDocument/2006/relationships" xmlns:p="http://schemas.openxmlformats.org/presentationml/2006/main">
+  <p:cSld>
+    <p:spTree>
+      <p:nvGrpSpPr>
+        <p:cNvPr id="1" name=""/>
+        <p:cNvGrpSpPr/>
+        <p:nvPr/>
+      </p:nvGrpSpPr>
+      <p:grpSpPr>
+        <a:xfrm>
+          <a:off x="0" y="0"/>
+          <a:ext cx="0" cy="0"/>
+          <a:chOff x="0" y="0"/>
+          <a:chExt cx="0" cy="0"/>
+        </a:xfrm>
+      </p:grpSpPr>
+      <p:sp>
+        <p:nvSpPr>
           <p:cNvPr id="2" name="Title 1">
             <a:extLst>
               <a:ext uri="{FF2B5EF4-FFF2-40B4-BE49-F238E27FC236}">
@@ -5610,7 +5727,7 @@
 </p:sld>
 </file>
 
-<file path=ppt/slides/slide24.xml><?xml version="1.0" encoding="utf-8"?>
+<file path=ppt/slides/slide25.xml><?xml version="1.0" encoding="utf-8"?>
 <p:sld xmlns:a="http://schemas.openxmlformats.org/drawingml/2006/main" xmlns:r="http://schemas.openxmlformats.org/officeDocument/2006/relationships" xmlns:p="http://schemas.openxmlformats.org/presentationml/2006/main">
   <p:cSld>
     <p:bg>
@@ -5819,6 +5936,77 @@
       </p:grpSpPr>
       <p:sp>
         <p:nvSpPr>
+          <p:cNvPr id="2" name="Title 1"/>
+          <p:cNvSpPr>
+            <a:spLocks noGrp="1"/>
+          </p:cNvSpPr>
+          <p:nvPr>
+            <p:ph type="title"/>
+          </p:nvPr>
+        </p:nvSpPr>
+        <p:spPr/>
+        <p:txBody>
+          <a:bodyPr/>
+          <a:lstStyle/>
+          <a:p>
+            <a:r>
+              <a:rPr lang="en-US" dirty="0"/>
+              <a:t>Download Handler</a:t>
+            </a:r>
+          </a:p>
+        </p:txBody>
+      </p:sp>
+      <p:sp>
+        <p:nvSpPr>
+          <p:cNvPr id="3" name="Text Placeholder 2"/>
+          <p:cNvSpPr>
+            <a:spLocks noGrp="1"/>
+          </p:cNvSpPr>
+          <p:nvPr>
+            <p:ph type="body" idx="1"/>
+          </p:nvPr>
+        </p:nvSpPr>
+        <p:spPr/>
+        <p:txBody>
+          <a:bodyPr/>
+          <a:lstStyle/>
+          <a:p>
+            <a:endParaRPr lang="en-US"/>
+          </a:p>
+        </p:txBody>
+      </p:sp>
+    </p:spTree>
+    <p:extLst>
+      <p:ext uri="{BB962C8B-B14F-4D97-AF65-F5344CB8AC3E}">
+        <p14:creationId xmlns:p14="http://schemas.microsoft.com/office/powerpoint/2010/main" val="2740599091"/>
+      </p:ext>
+    </p:extLst>
+  </p:cSld>
+  <p:clrMapOvr>
+    <a:masterClrMapping/>
+  </p:clrMapOvr>
+</p:sld>
+</file>
+
+<file path=ppt/slides/slide4.xml><?xml version="1.0" encoding="utf-8"?>
+<p:sld xmlns:a="http://schemas.openxmlformats.org/drawingml/2006/main" xmlns:r="http://schemas.openxmlformats.org/officeDocument/2006/relationships" xmlns:p="http://schemas.openxmlformats.org/presentationml/2006/main">
+  <p:cSld>
+    <p:spTree>
+      <p:nvGrpSpPr>
+        <p:cNvPr id="1" name=""/>
+        <p:cNvGrpSpPr/>
+        <p:nvPr/>
+      </p:nvGrpSpPr>
+      <p:grpSpPr>
+        <a:xfrm>
+          <a:off x="0" y="0"/>
+          <a:ext cx="0" cy="0"/>
+          <a:chOff x="0" y="0"/>
+          <a:chExt cx="0" cy="0"/>
+        </a:xfrm>
+      </p:grpSpPr>
+      <p:sp>
+        <p:nvSpPr>
           <p:cNvPr id="2" name="Title 1">
             <a:extLst>
               <a:ext uri="{FF2B5EF4-FFF2-40B4-BE49-F238E27FC236}">
@@ -5956,77 +6144,6 @@
 </p:sld>
 </file>
 
-<file path=ppt/slides/slide4.xml><?xml version="1.0" encoding="utf-8"?>
-<p:sld xmlns:a="http://schemas.openxmlformats.org/drawingml/2006/main" xmlns:r="http://schemas.openxmlformats.org/officeDocument/2006/relationships" xmlns:p="http://schemas.openxmlformats.org/presentationml/2006/main">
-  <p:cSld>
-    <p:spTree>
-      <p:nvGrpSpPr>
-        <p:cNvPr id="1" name=""/>
-        <p:cNvGrpSpPr/>
-        <p:nvPr/>
-      </p:nvGrpSpPr>
-      <p:grpSpPr>
-        <a:xfrm>
-          <a:off x="0" y="0"/>
-          <a:ext cx="0" cy="0"/>
-          <a:chOff x="0" y="0"/>
-          <a:chExt cx="0" cy="0"/>
-        </a:xfrm>
-      </p:grpSpPr>
-      <p:sp>
-        <p:nvSpPr>
-          <p:cNvPr id="2" name="Title 1"/>
-          <p:cNvSpPr>
-            <a:spLocks noGrp="1"/>
-          </p:cNvSpPr>
-          <p:nvPr>
-            <p:ph type="title"/>
-          </p:nvPr>
-        </p:nvSpPr>
-        <p:spPr/>
-        <p:txBody>
-          <a:bodyPr/>
-          <a:lstStyle/>
-          <a:p>
-            <a:r>
-              <a:rPr lang="en-US" dirty="0"/>
-              <a:t>Bookmarking</a:t>
-            </a:r>
-          </a:p>
-        </p:txBody>
-      </p:sp>
-      <p:sp>
-        <p:nvSpPr>
-          <p:cNvPr id="3" name="Text Placeholder 2"/>
-          <p:cNvSpPr>
-            <a:spLocks noGrp="1"/>
-          </p:cNvSpPr>
-          <p:nvPr>
-            <p:ph type="body" idx="1"/>
-          </p:nvPr>
-        </p:nvSpPr>
-        <p:spPr/>
-        <p:txBody>
-          <a:bodyPr/>
-          <a:lstStyle/>
-          <a:p>
-            <a:endParaRPr lang="en-US" dirty="0"/>
-          </a:p>
-        </p:txBody>
-      </p:sp>
-    </p:spTree>
-    <p:extLst>
-      <p:ext uri="{BB962C8B-B14F-4D97-AF65-F5344CB8AC3E}">
-        <p14:creationId xmlns:p14="http://schemas.microsoft.com/office/powerpoint/2010/main" val="343025490"/>
-      </p:ext>
-    </p:extLst>
-  </p:cSld>
-  <p:clrMapOvr>
-    <a:masterClrMapping/>
-  </p:clrMapOvr>
-</p:sld>
-</file>
-
 <file path=ppt/slides/slide5.xml><?xml version="1.0" encoding="utf-8"?>
 <p:sld xmlns:a="http://schemas.openxmlformats.org/drawingml/2006/main" xmlns:r="http://schemas.openxmlformats.org/officeDocument/2006/relationships" xmlns:p="http://schemas.openxmlformats.org/presentationml/2006/main">
   <p:cSld>
@@ -6046,13 +6163,7 @@
       </p:grpSpPr>
       <p:sp>
         <p:nvSpPr>
-          <p:cNvPr id="2" name="Title 1">
-            <a:extLst>
-              <a:ext uri="{FF2B5EF4-FFF2-40B4-BE49-F238E27FC236}">
-                <a16:creationId xmlns:a16="http://schemas.microsoft.com/office/drawing/2014/main" id="{1F80188C-B273-574D-93FD-81B3C5EB152F}"/>
-              </a:ext>
-            </a:extLst>
-          </p:cNvPr>
+          <p:cNvPr id="2" name="Title 1"/>
           <p:cNvSpPr>
             <a:spLocks noGrp="1"/>
           </p:cNvSpPr>
@@ -6067,57 +6178,25 @@
           <a:p>
             <a:r>
               <a:rPr lang="en-US" dirty="0"/>
-              <a:t>What is bookmarking?</a:t>
-            </a:r>
-          </a:p>
-        </p:txBody>
-      </p:sp>
-      <p:sp>
-        <p:nvSpPr>
-          <p:cNvPr id="3" name="Content Placeholder 2">
-            <a:extLst>
-              <a:ext uri="{FF2B5EF4-FFF2-40B4-BE49-F238E27FC236}">
-                <a16:creationId xmlns:a16="http://schemas.microsoft.com/office/drawing/2014/main" id="{E0E1F3A6-DE4B-9049-9F7A-D801830EADAA}"/>
-              </a:ext>
-            </a:extLst>
-          </p:cNvPr>
-          <p:cNvSpPr>
-            <a:spLocks noGrp="1"/>
-          </p:cNvSpPr>
-          <p:nvPr>
-            <p:ph idx="1"/>
+              <a:t>Bookmarking</a:t>
+            </a:r>
+          </a:p>
+        </p:txBody>
+      </p:sp>
+      <p:sp>
+        <p:nvSpPr>
+          <p:cNvPr id="3" name="Text Placeholder 2"/>
+          <p:cNvSpPr>
+            <a:spLocks noGrp="1"/>
+          </p:cNvSpPr>
+          <p:nvPr>
+            <p:ph type="body" idx="1"/>
           </p:nvPr>
         </p:nvSpPr>
         <p:spPr/>
         <p:txBody>
           <a:bodyPr/>
           <a:lstStyle/>
-          <a:p>
-            <a:r>
-              <a:rPr lang="en-US" dirty="0"/>
-              <a:t>Bookmarking allows you to save application states so users can easily access their settings</a:t>
-            </a:r>
-          </a:p>
-          <a:p>
-            <a:r>
-              <a:rPr lang="en-US" dirty="0"/>
-              <a:t>Not all of your inputs have to be available, you can create a blacklist of inputs using the </a:t>
-            </a:r>
-            <a:r>
-              <a:rPr lang="en-US" dirty="0" err="1"/>
-              <a:t>setBookmarkExclude</a:t>
-            </a:r>
-            <a:r>
-              <a:rPr lang="en-US" dirty="0"/>
-              <a:t>() function</a:t>
-            </a:r>
-          </a:p>
-          <a:p>
-            <a:r>
-              <a:rPr lang="en-US" dirty="0"/>
-              <a:t>There are two methods of Bookmarking, Server and URL</a:t>
-            </a:r>
-          </a:p>
           <a:p>
             <a:endParaRPr lang="en-US" dirty="0"/>
           </a:p>
@@ -6126,7 +6205,7 @@
     </p:spTree>
     <p:extLst>
       <p:ext uri="{BB962C8B-B14F-4D97-AF65-F5344CB8AC3E}">
-        <p14:creationId xmlns:p14="http://schemas.microsoft.com/office/powerpoint/2010/main" val="755108132"/>
+        <p14:creationId xmlns:p14="http://schemas.microsoft.com/office/powerpoint/2010/main" val="343025490"/>
       </p:ext>
     </p:extLst>
   </p:cSld>
@@ -6155,6 +6234,115 @@
       </p:grpSpPr>
       <p:sp>
         <p:nvSpPr>
+          <p:cNvPr id="2" name="Title 1">
+            <a:extLst>
+              <a:ext uri="{FF2B5EF4-FFF2-40B4-BE49-F238E27FC236}">
+                <a16:creationId xmlns:a16="http://schemas.microsoft.com/office/drawing/2014/main" id="{1F80188C-B273-574D-93FD-81B3C5EB152F}"/>
+              </a:ext>
+            </a:extLst>
+          </p:cNvPr>
+          <p:cNvSpPr>
+            <a:spLocks noGrp="1"/>
+          </p:cNvSpPr>
+          <p:nvPr>
+            <p:ph type="title"/>
+          </p:nvPr>
+        </p:nvSpPr>
+        <p:spPr/>
+        <p:txBody>
+          <a:bodyPr/>
+          <a:lstStyle/>
+          <a:p>
+            <a:r>
+              <a:rPr lang="en-US" dirty="0"/>
+              <a:t>What is bookmarking?</a:t>
+            </a:r>
+          </a:p>
+        </p:txBody>
+      </p:sp>
+      <p:sp>
+        <p:nvSpPr>
+          <p:cNvPr id="3" name="Content Placeholder 2">
+            <a:extLst>
+              <a:ext uri="{FF2B5EF4-FFF2-40B4-BE49-F238E27FC236}">
+                <a16:creationId xmlns:a16="http://schemas.microsoft.com/office/drawing/2014/main" id="{E0E1F3A6-DE4B-9049-9F7A-D801830EADAA}"/>
+              </a:ext>
+            </a:extLst>
+          </p:cNvPr>
+          <p:cNvSpPr>
+            <a:spLocks noGrp="1"/>
+          </p:cNvSpPr>
+          <p:nvPr>
+            <p:ph idx="1"/>
+          </p:nvPr>
+        </p:nvSpPr>
+        <p:spPr/>
+        <p:txBody>
+          <a:bodyPr/>
+          <a:lstStyle/>
+          <a:p>
+            <a:r>
+              <a:rPr lang="en-US" dirty="0"/>
+              <a:t>Bookmarking allows you to save application states so users can easily access their settings</a:t>
+            </a:r>
+          </a:p>
+          <a:p>
+            <a:r>
+              <a:rPr lang="en-US" dirty="0"/>
+              <a:t>Not all of your inputs have to be available, you can create a blacklist of inputs using the </a:t>
+            </a:r>
+            <a:r>
+              <a:rPr lang="en-US" dirty="0" err="1"/>
+              <a:t>setBookmarkExclude</a:t>
+            </a:r>
+            <a:r>
+              <a:rPr lang="en-US" dirty="0"/>
+              <a:t>() function</a:t>
+            </a:r>
+          </a:p>
+          <a:p>
+            <a:r>
+              <a:rPr lang="en-US" dirty="0"/>
+              <a:t>There are two methods of Bookmarking, Server and URL</a:t>
+            </a:r>
+          </a:p>
+          <a:p>
+            <a:endParaRPr lang="en-US" dirty="0"/>
+          </a:p>
+        </p:txBody>
+      </p:sp>
+    </p:spTree>
+    <p:extLst>
+      <p:ext uri="{BB962C8B-B14F-4D97-AF65-F5344CB8AC3E}">
+        <p14:creationId xmlns:p14="http://schemas.microsoft.com/office/powerpoint/2010/main" val="755108132"/>
+      </p:ext>
+    </p:extLst>
+  </p:cSld>
+  <p:clrMapOvr>
+    <a:masterClrMapping/>
+  </p:clrMapOvr>
+</p:sld>
+</file>
+
+<file path=ppt/slides/slide7.xml><?xml version="1.0" encoding="utf-8"?>
+<p:sld xmlns:a="http://schemas.openxmlformats.org/drawingml/2006/main" xmlns:r="http://schemas.openxmlformats.org/officeDocument/2006/relationships" xmlns:p="http://schemas.openxmlformats.org/presentationml/2006/main">
+  <p:cSld>
+    <p:spTree>
+      <p:nvGrpSpPr>
+        <p:cNvPr id="1" name=""/>
+        <p:cNvGrpSpPr/>
+        <p:nvPr/>
+      </p:nvGrpSpPr>
+      <p:grpSpPr>
+        <a:xfrm>
+          <a:off x="0" y="0"/>
+          <a:ext cx="0" cy="0"/>
+          <a:chOff x="0" y="0"/>
+          <a:chExt cx="0" cy="0"/>
+        </a:xfrm>
+      </p:grpSpPr>
+      <p:sp>
+        <p:nvSpPr>
           <p:cNvPr id="4" name="Title 3">
             <a:extLst>
               <a:ext uri="{FF2B5EF4-FFF2-40B4-BE49-F238E27FC236}">
@@ -6289,7 +6477,7 @@
 </p:sld>
 </file>
 
-<file path=ppt/slides/slide7.xml><?xml version="1.0" encoding="utf-8"?>
+<file path=ppt/slides/slide8.xml><?xml version="1.0" encoding="utf-8"?>
 <p:sld xmlns:a="http://schemas.openxmlformats.org/drawingml/2006/main" xmlns:r="http://schemas.openxmlformats.org/officeDocument/2006/relationships" xmlns:p="http://schemas.openxmlformats.org/presentationml/2006/main">
   <p:cSld>
     <p:spTree>
@@ -6395,127 +6583,6 @@
 </p:sld>
 </file>
 
-<file path=ppt/slides/slide8.xml><?xml version="1.0" encoding="utf-8"?>
-<p:sld xmlns:a="http://schemas.openxmlformats.org/drawingml/2006/main" xmlns:r="http://schemas.openxmlformats.org/officeDocument/2006/relationships" xmlns:p="http://schemas.openxmlformats.org/presentationml/2006/main">
-  <p:cSld>
-    <p:spTree>
-      <p:nvGrpSpPr>
-        <p:cNvPr id="1" name=""/>
-        <p:cNvGrpSpPr/>
-        <p:nvPr/>
-      </p:nvGrpSpPr>
-      <p:grpSpPr>
-        <a:xfrm>
-          <a:off x="0" y="0"/>
-          <a:ext cx="0" cy="0"/>
-          <a:chOff x="0" y="0"/>
-          <a:chExt cx="0" cy="0"/>
-        </a:xfrm>
-      </p:grpSpPr>
-      <p:sp>
-        <p:nvSpPr>
-          <p:cNvPr id="2" name="Title 1">
-            <a:extLst>
-              <a:ext uri="{FF2B5EF4-FFF2-40B4-BE49-F238E27FC236}">
-                <a16:creationId xmlns:a16="http://schemas.microsoft.com/office/drawing/2014/main" id="{5A593E9A-FC2C-7B43-84DE-538E676A9FC3}"/>
-              </a:ext>
-            </a:extLst>
-          </p:cNvPr>
-          <p:cNvSpPr>
-            <a:spLocks noGrp="1"/>
-          </p:cNvSpPr>
-          <p:nvPr>
-            <p:ph type="title"/>
-          </p:nvPr>
-        </p:nvSpPr>
-        <p:spPr/>
-        <p:txBody>
-          <a:bodyPr/>
-          <a:lstStyle/>
-          <a:p>
-            <a:r>
-              <a:rPr lang="en-US" dirty="0" err="1"/>
-              <a:t>onRestore</a:t>
-            </a:r>
-            <a:r>
-              <a:rPr lang="en-US" dirty="0"/>
-              <a:t>()/</a:t>
-            </a:r>
-            <a:r>
-              <a:rPr lang="en-US" dirty="0" err="1"/>
-              <a:t>onRestored</a:t>
-            </a:r>
-            <a:r>
-              <a:rPr lang="en-US" dirty="0"/>
-              <a:t>()</a:t>
-            </a:r>
-          </a:p>
-        </p:txBody>
-      </p:sp>
-      <p:sp>
-        <p:nvSpPr>
-          <p:cNvPr id="5" name="Content Placeholder 4">
-            <a:extLst>
-              <a:ext uri="{FF2B5EF4-FFF2-40B4-BE49-F238E27FC236}">
-                <a16:creationId xmlns:a16="http://schemas.microsoft.com/office/drawing/2014/main" id="{D66CCA76-35F7-4A48-9F2E-15A6D1F09830}"/>
-              </a:ext>
-            </a:extLst>
-          </p:cNvPr>
-          <p:cNvSpPr>
-            <a:spLocks noGrp="1"/>
-          </p:cNvSpPr>
-          <p:nvPr>
-            <p:ph idx="1"/>
-          </p:nvPr>
-        </p:nvSpPr>
-        <p:spPr/>
-        <p:txBody>
-          <a:bodyPr/>
-          <a:lstStyle/>
-          <a:p>
-            <a:r>
-              <a:rPr lang="en-US" dirty="0"/>
-              <a:t>Unless you specify something using either of these functions, all inputs stored will restore when loading an app with bookmarking </a:t>
-            </a:r>
-          </a:p>
-          <a:p>
-            <a:r>
-              <a:rPr lang="en-US" dirty="0" err="1"/>
-              <a:t>onRestore</a:t>
-            </a:r>
-            <a:r>
-              <a:rPr lang="en-US" dirty="0"/>
-              <a:t>() can help implement some logic before restoring certain inputs, or save in a list to be used later.</a:t>
-            </a:r>
-          </a:p>
-          <a:p>
-            <a:r>
-              <a:rPr lang="en-US" dirty="0" err="1"/>
-              <a:t>onRestored</a:t>
-            </a:r>
-            <a:r>
-              <a:rPr lang="en-US" dirty="0"/>
-              <a:t>() runs after the application has been restored. Can be used to send update to the user.</a:t>
-            </a:r>
-          </a:p>
-          <a:p>
-            <a:endParaRPr lang="en-US" dirty="0"/>
-          </a:p>
-        </p:txBody>
-      </p:sp>
-    </p:spTree>
-    <p:extLst>
-      <p:ext uri="{BB962C8B-B14F-4D97-AF65-F5344CB8AC3E}">
-        <p14:creationId xmlns:p14="http://schemas.microsoft.com/office/powerpoint/2010/main" val="2360759137"/>
-      </p:ext>
-    </p:extLst>
-  </p:cSld>
-  <p:clrMapOvr>
-    <a:masterClrMapping/>
-  </p:clrMapOvr>
-</p:sld>
-</file>
-
 <file path=ppt/slides/slide9.xml><?xml version="1.0" encoding="utf-8"?>
 <p:sld xmlns:a="http://schemas.openxmlformats.org/drawingml/2006/main" xmlns:r="http://schemas.openxmlformats.org/officeDocument/2006/relationships" xmlns:p="http://schemas.openxmlformats.org/presentationml/2006/main">
   <p:cSld>
@@ -6535,7 +6602,13 @@
       </p:grpSpPr>
       <p:sp>
         <p:nvSpPr>
-          <p:cNvPr id="2" name="Title 1"/>
+          <p:cNvPr id="2" name="Title 1">
+            <a:extLst>
+              <a:ext uri="{FF2B5EF4-FFF2-40B4-BE49-F238E27FC236}">
+                <a16:creationId xmlns:a16="http://schemas.microsoft.com/office/drawing/2014/main" id="{5A593E9A-FC2C-7B43-84DE-538E676A9FC3}"/>
+              </a:ext>
+            </a:extLst>
+          </p:cNvPr>
           <p:cNvSpPr>
             <a:spLocks noGrp="1"/>
           </p:cNvSpPr>
@@ -6549,20 +6622,38 @@
           <a:lstStyle/>
           <a:p>
             <a:r>
-              <a:rPr lang="en-US" dirty="0"/>
-              <a:t>Notifications</a:t>
-            </a:r>
-          </a:p>
-        </p:txBody>
-      </p:sp>
-      <p:sp>
-        <p:nvSpPr>
-          <p:cNvPr id="3" name="Text Placeholder 2"/>
-          <p:cNvSpPr>
-            <a:spLocks noGrp="1"/>
-          </p:cNvSpPr>
-          <p:nvPr>
-            <p:ph type="body" idx="1"/>
+              <a:rPr lang="en-US" dirty="0" err="1"/>
+              <a:t>onRestore</a:t>
+            </a:r>
+            <a:r>
+              <a:rPr lang="en-US" dirty="0"/>
+              <a:t>()/</a:t>
+            </a:r>
+            <a:r>
+              <a:rPr lang="en-US" dirty="0" err="1"/>
+              <a:t>onRestored</a:t>
+            </a:r>
+            <a:r>
+              <a:rPr lang="en-US" dirty="0"/>
+              <a:t>()</a:t>
+            </a:r>
+          </a:p>
+        </p:txBody>
+      </p:sp>
+      <p:sp>
+        <p:nvSpPr>
+          <p:cNvPr id="5" name="Content Placeholder 4">
+            <a:extLst>
+              <a:ext uri="{FF2B5EF4-FFF2-40B4-BE49-F238E27FC236}">
+                <a16:creationId xmlns:a16="http://schemas.microsoft.com/office/drawing/2014/main" id="{D66CCA76-35F7-4A48-9F2E-15A6D1F09830}"/>
+              </a:ext>
+            </a:extLst>
+          </p:cNvPr>
+          <p:cNvSpPr>
+            <a:spLocks noGrp="1"/>
+          </p:cNvSpPr>
+          <p:nvPr>
+            <p:ph idx="1"/>
           </p:nvPr>
         </p:nvSpPr>
         <p:spPr/>
@@ -6570,14 +6661,40 @@
           <a:bodyPr/>
           <a:lstStyle/>
           <a:p>
-            <a:endParaRPr lang="en-US"/>
+            <a:r>
+              <a:rPr lang="en-US" dirty="0"/>
+              <a:t>Unless you specify something using either of these functions, all inputs stored will restore when loading an app with bookmarking </a:t>
+            </a:r>
+          </a:p>
+          <a:p>
+            <a:r>
+              <a:rPr lang="en-US" dirty="0" err="1"/>
+              <a:t>onRestore</a:t>
+            </a:r>
+            <a:r>
+              <a:rPr lang="en-US" dirty="0"/>
+              <a:t>() can help implement some logic before restoring certain inputs, or save in a list to be used later.</a:t>
+            </a:r>
+          </a:p>
+          <a:p>
+            <a:r>
+              <a:rPr lang="en-US" dirty="0" err="1"/>
+              <a:t>onRestored</a:t>
+            </a:r>
+            <a:r>
+              <a:rPr lang="en-US" dirty="0"/>
+              <a:t>() runs after the application has been restored. Can be used to send update to the user.</a:t>
+            </a:r>
+          </a:p>
+          <a:p>
+            <a:endParaRPr lang="en-US" dirty="0"/>
           </a:p>
         </p:txBody>
       </p:sp>
     </p:spTree>
     <p:extLst>
       <p:ext uri="{BB962C8B-B14F-4D97-AF65-F5344CB8AC3E}">
-        <p14:creationId xmlns:p14="http://schemas.microsoft.com/office/powerpoint/2010/main" val="3007398221"/>
+        <p14:creationId xmlns:p14="http://schemas.microsoft.com/office/powerpoint/2010/main" val="2360759137"/>
       </p:ext>
     </p:extLst>
   </p:cSld>

--- a/Class 6.pptx
+++ b/Class 6.pptx
@@ -305,7 +305,7 @@
           <a:p>
             <a:fld id="{DB10E5C9-23B2-4A4E-92AB-29D98A655667}" type="datetimeFigureOut">
               <a:rPr lang="en-US" smtClean="0"/>
-              <a:t>8/31/18</a:t>
+              <a:t>9/4/18</a:t>
             </a:fld>
             <a:endParaRPr lang="en-US"/>
           </a:p>
@@ -635,7 +635,7 @@
           <a:p>
             <a:fld id="{DB10E5C9-23B2-4A4E-92AB-29D98A655667}" type="datetimeFigureOut">
               <a:rPr lang="en-US" smtClean="0"/>
-              <a:t>8/31/18</a:t>
+              <a:t>9/4/18</a:t>
             </a:fld>
             <a:endParaRPr lang="en-US"/>
           </a:p>
@@ -815,7 +815,7 @@
           <a:p>
             <a:fld id="{DB10E5C9-23B2-4A4E-92AB-29D98A655667}" type="datetimeFigureOut">
               <a:rPr lang="en-US" smtClean="0"/>
-              <a:t>8/31/18</a:t>
+              <a:t>9/4/18</a:t>
             </a:fld>
             <a:endParaRPr lang="en-US"/>
           </a:p>
@@ -985,7 +985,7 @@
           <a:p>
             <a:fld id="{DB10E5C9-23B2-4A4E-92AB-29D98A655667}" type="datetimeFigureOut">
               <a:rPr lang="en-US" smtClean="0"/>
-              <a:t>8/31/18</a:t>
+              <a:t>9/4/18</a:t>
             </a:fld>
             <a:endParaRPr lang="en-US"/>
           </a:p>
@@ -1262,7 +1262,7 @@
           <a:p>
             <a:fld id="{DB10E5C9-23B2-4A4E-92AB-29D98A655667}" type="datetimeFigureOut">
               <a:rPr lang="en-US" smtClean="0"/>
-              <a:t>8/31/18</a:t>
+              <a:t>9/4/18</a:t>
             </a:fld>
             <a:endParaRPr lang="en-US"/>
           </a:p>
@@ -1656,7 +1656,7 @@
           <a:p>
             <a:fld id="{DB10E5C9-23B2-4A4E-92AB-29D98A655667}" type="datetimeFigureOut">
               <a:rPr lang="en-US" smtClean="0"/>
-              <a:t>8/31/18</a:t>
+              <a:t>9/4/18</a:t>
             </a:fld>
             <a:endParaRPr lang="en-US"/>
           </a:p>
@@ -2133,7 +2133,7 @@
           <a:p>
             <a:fld id="{DB10E5C9-23B2-4A4E-92AB-29D98A655667}" type="datetimeFigureOut">
               <a:rPr lang="en-US" smtClean="0"/>
-              <a:t>8/31/18</a:t>
+              <a:t>9/4/18</a:t>
             </a:fld>
             <a:endParaRPr lang="en-US"/>
           </a:p>
@@ -2251,7 +2251,7 @@
           <a:p>
             <a:fld id="{DB10E5C9-23B2-4A4E-92AB-29D98A655667}" type="datetimeFigureOut">
               <a:rPr lang="en-US" smtClean="0"/>
-              <a:t>8/31/18</a:t>
+              <a:t>9/4/18</a:t>
             </a:fld>
             <a:endParaRPr lang="en-US"/>
           </a:p>
@@ -2346,7 +2346,7 @@
           <a:p>
             <a:fld id="{DB10E5C9-23B2-4A4E-92AB-29D98A655667}" type="datetimeFigureOut">
               <a:rPr lang="en-US" smtClean="0"/>
-              <a:t>8/31/18</a:t>
+              <a:t>9/4/18</a:t>
             </a:fld>
             <a:endParaRPr lang="en-US"/>
           </a:p>
@@ -2692,7 +2692,7 @@
           <a:p>
             <a:fld id="{DB10E5C9-23B2-4A4E-92AB-29D98A655667}" type="datetimeFigureOut">
               <a:rPr lang="en-US" smtClean="0"/>
-              <a:t>8/31/18</a:t>
+              <a:t>9/4/18</a:t>
             </a:fld>
             <a:endParaRPr lang="en-US"/>
           </a:p>
@@ -3080,7 +3080,7 @@
           <a:p>
             <a:fld id="{DB10E5C9-23B2-4A4E-92AB-29D98A655667}" type="datetimeFigureOut">
               <a:rPr lang="en-US" smtClean="0"/>
-              <a:t>8/31/18</a:t>
+              <a:t>9/4/18</a:t>
             </a:fld>
             <a:endParaRPr lang="en-US"/>
           </a:p>
@@ -3358,7 +3358,7 @@
           <a:p>
             <a:fld id="{DB10E5C9-23B2-4A4E-92AB-29D98A655667}" type="datetimeFigureOut">
               <a:rPr lang="en-US" smtClean="0"/>
-              <a:t>8/31/18</a:t>
+              <a:t>9/4/18</a:t>
             </a:fld>
             <a:endParaRPr lang="en-US"/>
           </a:p>
@@ -5179,8 +5179,13 @@
           <a:p>
             <a:r>
               <a:rPr lang="en-US" dirty="0"/>
-              <a:t>Updates/Observers</a:t>
-            </a:r>
+              <a:t>Updates</a:t>
+            </a:r>
+            <a:r>
+              <a:rPr lang="en-US"/>
+              <a:t>/Observers</a:t>
+            </a:r>
+            <a:endParaRPr lang="en-US" dirty="0"/>
           </a:p>
         </p:txBody>
       </p:sp>
